--- a/Presentations/P3.2 - Conclusio.pptx
+++ b/Presentations/P3.2 - Conclusio.pptx
@@ -13,16 +13,17 @@
     <p:sldId id="258" r:id="rId7"/>
     <p:sldId id="259" r:id="rId8"/>
     <p:sldId id="260" r:id="rId9"/>
+    <p:sldId id="261" r:id="rId10"/>
   </p:sldIdLst>
   <p:sldSz cy="6858000" cx="9144000"/>
   <p:notesSz cx="6858000" cy="9144000"/>
   <p:embeddedFontLst>
     <p:embeddedFont>
       <p:font typeface="Open Sans"/>
-      <p:regular r:id="rId10"/>
-      <p:bold r:id="rId11"/>
-      <p:italic r:id="rId12"/>
-      <p:boldItalic r:id="rId13"/>
+      <p:regular r:id="rId11"/>
+      <p:bold r:id="rId12"/>
+      <p:italic r:id="rId13"/>
+      <p:boldItalic r:id="rId14"/>
     </p:embeddedFont>
   </p:embeddedFontLst>
   <p:defaultTextStyle>
@@ -603,7 +604,7 @@
   <p:cSld>
     <p:spTree>
       <p:nvGrpSpPr>
-        <p:cNvPr id="71" name="Shape 71"/>
+        <p:cNvPr id="72" name="Shape 72"/>
         <p:cNvGrpSpPr/>
         <p:nvPr/>
       </p:nvGrpSpPr>
@@ -617,7 +618,7 @@
       </p:grpSpPr>
       <p:sp>
         <p:nvSpPr>
-          <p:cNvPr id="72" name="Shape 72"/>
+          <p:cNvPr id="73" name="Shape 73"/>
           <p:cNvSpPr/>
           <p:nvPr>
             <p:ph idx="2" type="sldImg"/>
@@ -661,7 +662,7 @@
       </p:sp>
       <p:sp>
         <p:nvSpPr>
-          <p:cNvPr id="73" name="Shape 73"/>
+          <p:cNvPr id="74" name="Shape 74"/>
           <p:cNvSpPr txBox="1"/>
           <p:nvPr>
             <p:ph idx="1" type="body"/>
@@ -708,7 +709,7 @@
   <p:cSld>
     <p:spTree>
       <p:nvGrpSpPr>
-        <p:cNvPr id="79" name="Shape 79"/>
+        <p:cNvPr id="80" name="Shape 80"/>
         <p:cNvGrpSpPr/>
         <p:nvPr/>
       </p:nvGrpSpPr>
@@ -722,7 +723,7 @@
       </p:grpSpPr>
       <p:sp>
         <p:nvSpPr>
-          <p:cNvPr id="80" name="Shape 80"/>
+          <p:cNvPr id="81" name="Shape 81"/>
           <p:cNvSpPr/>
           <p:nvPr>
             <p:ph idx="2" type="sldImg"/>
@@ -766,7 +767,7 @@
       </p:sp>
       <p:sp>
         <p:nvSpPr>
-          <p:cNvPr id="81" name="Shape 81"/>
+          <p:cNvPr id="82" name="Shape 82"/>
           <p:cNvSpPr txBox="1"/>
           <p:nvPr>
             <p:ph idx="1" type="body"/>
@@ -813,7 +814,7 @@
   <p:cSld>
     <p:spTree>
       <p:nvGrpSpPr>
-        <p:cNvPr id="90" name="Shape 90"/>
+        <p:cNvPr id="88" name="Shape 88"/>
         <p:cNvGrpSpPr/>
         <p:nvPr/>
       </p:nvGrpSpPr>
@@ -827,7 +828,7 @@
       </p:grpSpPr>
       <p:sp>
         <p:nvSpPr>
-          <p:cNvPr id="91" name="Shape 91"/>
+          <p:cNvPr id="89" name="Shape 89"/>
           <p:cNvSpPr/>
           <p:nvPr>
             <p:ph idx="2" type="sldImg"/>
@@ -835,8 +836,8 @@
         </p:nvSpPr>
         <p:spPr>
           <a:xfrm>
-            <a:off x="1143210" y="685800"/>
-            <a:ext cx="4572225" cy="3429000"/>
+            <a:off x="1143309" y="685800"/>
+            <a:ext cx="4572000" cy="3429000"/>
           </a:xfrm>
           <a:custGeom>
             <a:pathLst>
@@ -871,7 +872,112 @@
       </p:sp>
       <p:sp>
         <p:nvSpPr>
-          <p:cNvPr id="92" name="Shape 92"/>
+          <p:cNvPr id="90" name="Shape 90"/>
+          <p:cNvSpPr txBox="1"/>
+          <p:nvPr>
+            <p:ph idx="1" type="body"/>
+          </p:nvPr>
+        </p:nvSpPr>
+        <p:spPr>
+          <a:xfrm>
+            <a:off x="685800" y="4343400"/>
+            <a:ext cx="5486399" cy="4114800"/>
+          </a:xfrm>
+          <a:prstGeom prst="rect">
+            <a:avLst/>
+          </a:prstGeom>
+        </p:spPr>
+        <p:txBody>
+          <a:bodyPr anchorCtr="0" anchor="t" bIns="91425" lIns="91425" rIns="91425" tIns="91425">
+            <a:noAutofit/>
+          </a:bodyPr>
+          <a:lstStyle/>
+          <a:p>
+            <a:pPr lvl="0" rtl="0">
+              <a:spcBef>
+                <a:spcPts val="0"/>
+              </a:spcBef>
+              <a:buNone/>
+            </a:pPr>
+            <a:r>
+              <a:t/>
+            </a:r>
+            <a:endParaRPr/>
+          </a:p>
+        </p:txBody>
+      </p:sp>
+    </p:spTree>
+  </p:cSld>
+  <p:clrMapOvr>
+    <a:masterClrMapping/>
+  </p:clrMapOvr>
+</p:notes>
+</file>
+
+<file path=ppt/notesSlides/notesSlide5.xml><?xml version="1.0" encoding="utf-8"?>
+<p:notes xmlns:a="http://schemas.openxmlformats.org/drawingml/2006/main" xmlns:r="http://schemas.openxmlformats.org/officeDocument/2006/relationships" xmlns:mc="http://schemas.openxmlformats.org/markup-compatibility/2006" xmlns:mv="urn:schemas-microsoft-com:mac:vml" xmlns:p="http://schemas.openxmlformats.org/presentationml/2006/main" xmlns:c="http://schemas.openxmlformats.org/drawingml/2006/chart" xmlns:dgm="http://schemas.openxmlformats.org/drawingml/2006/diagram" xmlns:o="urn:schemas-microsoft-com:office:office" xmlns:v="urn:schemas-microsoft-com:vml" xmlns:pvml="urn:schemas-microsoft-com:office:powerpoint" xmlns:com="http://schemas.openxmlformats.org/drawingml/2006/compatibility" xmlns:p14="http://schemas.microsoft.com/office/powerpoint/2010/main" showMasterPhAnim="0" showMasterSp="0">
+  <p:cSld>
+    <p:spTree>
+      <p:nvGrpSpPr>
+        <p:cNvPr id="99" name="Shape 99"/>
+        <p:cNvGrpSpPr/>
+        <p:nvPr/>
+      </p:nvGrpSpPr>
+      <p:grpSpPr>
+        <a:xfrm>
+          <a:off x="0" y="0"/>
+          <a:ext cx="0" cy="0"/>
+          <a:chOff x="0" y="0"/>
+          <a:chExt cx="0" cy="0"/>
+        </a:xfrm>
+      </p:grpSpPr>
+      <p:sp>
+        <p:nvSpPr>
+          <p:cNvPr id="100" name="Shape 100"/>
+          <p:cNvSpPr/>
+          <p:nvPr>
+            <p:ph idx="2" type="sldImg"/>
+          </p:nvPr>
+        </p:nvSpPr>
+        <p:spPr>
+          <a:xfrm>
+            <a:off x="1143210" y="685800"/>
+            <a:ext cx="4572225" cy="3429000"/>
+          </a:xfrm>
+          <a:custGeom>
+            <a:pathLst>
+              <a:path extrusionOk="0" h="120000" w="120000">
+                <a:moveTo>
+                  <a:pt x="0" y="0"/>
+                </a:moveTo>
+                <a:lnTo>
+                  <a:pt x="120000" y="0"/>
+                </a:lnTo>
+                <a:lnTo>
+                  <a:pt x="120000" y="120000"/>
+                </a:lnTo>
+                <a:lnTo>
+                  <a:pt x="0" y="120000"/>
+                </a:lnTo>
+                <a:close/>
+              </a:path>
+            </a:pathLst>
+          </a:custGeom>
+          <a:noFill/>
+          <a:ln cap="flat" cmpd="sng" w="9525">
+            <a:solidFill>
+              <a:srgbClr val="000000"/>
+            </a:solidFill>
+            <a:prstDash val="solid"/>
+            <a:round/>
+            <a:headEnd len="med" w="med" type="none"/>
+            <a:tailEnd len="med" w="med" type="none"/>
+          </a:ln>
+        </p:spPr>
+      </p:sp>
+      <p:sp>
+        <p:nvSpPr>
+          <p:cNvPr id="101" name="Shape 101"/>
           <p:cNvSpPr txBox="1"/>
           <p:nvPr>
             <p:ph idx="1" type="body"/>
@@ -4594,8 +4700,8 @@
         </p:nvSpPr>
         <p:spPr>
           <a:xfrm>
-            <a:off x="0" y="1581825"/>
-            <a:ext cx="9144000" cy="2075700"/>
+            <a:off x="0" y="1429425"/>
+            <a:ext cx="9144000" cy="1046400"/>
           </a:xfrm>
           <a:prstGeom prst="rect">
             <a:avLst/>
@@ -4623,26 +4729,70 @@
                 <a:cs typeface="Open Sans"/>
                 <a:sym typeface="Open Sans"/>
               </a:rPr>
-              <a:t>Aplicacions mòbils amb </a:t>
-            </a:r>
-            <a:r>
-              <a:rPr lang="en" sz="7200">
-                <a:solidFill>
-                  <a:srgbClr val="FFFFFF"/>
-                </a:solidFill>
-                <a:latin typeface="Open Sans"/>
-                <a:ea typeface="Open Sans"/>
-                <a:cs typeface="Open Sans"/>
-                <a:sym typeface="Open Sans"/>
-              </a:rPr>
-              <a:t>        </a:t>
+              <a:t>Apps mòbils amb</a:t>
             </a:r>
           </a:p>
         </p:txBody>
       </p:sp>
-      <p:sp>
-        <p:nvSpPr>
+      <p:pic>
+        <p:nvPicPr>
           <p:cNvPr id="60" name="Shape 60"/>
+          <p:cNvPicPr preferRelativeResize="0"/>
+          <p:nvPr/>
+        </p:nvPicPr>
+        <p:blipFill>
+          <a:blip r:embed="rId3">
+            <a:alphaModFix/>
+          </a:blip>
+          <a:stretch>
+            <a:fillRect/>
+          </a:stretch>
+        </p:blipFill>
+        <p:spPr>
+          <a:xfrm>
+            <a:off x="3066392" y="2603249"/>
+            <a:ext cx="3011210" cy="1046400"/>
+          </a:xfrm>
+          <a:prstGeom prst="rect">
+            <a:avLst/>
+          </a:prstGeom>
+          <a:noFill/>
+          <a:ln>
+            <a:noFill/>
+          </a:ln>
+        </p:spPr>
+      </p:pic>
+      <p:pic>
+        <p:nvPicPr>
+          <p:cNvPr id="61" name="Shape 61"/>
+          <p:cNvPicPr preferRelativeResize="0"/>
+          <p:nvPr/>
+        </p:nvPicPr>
+        <p:blipFill>
+          <a:blip r:embed="rId4">
+            <a:alphaModFix/>
+          </a:blip>
+          <a:stretch>
+            <a:fillRect/>
+          </a:stretch>
+        </p:blipFill>
+        <p:spPr>
+          <a:xfrm>
+            <a:off x="7235601" y="5946022"/>
+            <a:ext cx="1545699" cy="541974"/>
+          </a:xfrm>
+          <a:prstGeom prst="rect">
+            <a:avLst/>
+          </a:prstGeom>
+          <a:noFill/>
+          <a:ln>
+            <a:noFill/>
+          </a:ln>
+        </p:spPr>
+      </p:pic>
+      <p:sp>
+        <p:nvSpPr>
+          <p:cNvPr id="62" name="Shape 62"/>
           <p:cNvSpPr txBox="1"/>
           <p:nvPr>
             <p:ph idx="1" type="subTitle"/>
@@ -4684,62 +4834,6 @@
           </a:p>
         </p:txBody>
       </p:sp>
-      <p:pic>
-        <p:nvPicPr>
-          <p:cNvPr id="61" name="Shape 61"/>
-          <p:cNvPicPr preferRelativeResize="0"/>
-          <p:nvPr/>
-        </p:nvPicPr>
-        <p:blipFill>
-          <a:blip r:embed="rId3">
-            <a:alphaModFix/>
-          </a:blip>
-          <a:stretch>
-            <a:fillRect/>
-          </a:stretch>
-        </p:blipFill>
-        <p:spPr>
-          <a:xfrm>
-            <a:off x="4608092" y="2522199"/>
-            <a:ext cx="3011210" cy="1046400"/>
-          </a:xfrm>
-          <a:prstGeom prst="rect">
-            <a:avLst/>
-          </a:prstGeom>
-          <a:noFill/>
-          <a:ln>
-            <a:noFill/>
-          </a:ln>
-        </p:spPr>
-      </p:pic>
-      <p:pic>
-        <p:nvPicPr>
-          <p:cNvPr id="62" name="Shape 62"/>
-          <p:cNvPicPr preferRelativeResize="0"/>
-          <p:nvPr/>
-        </p:nvPicPr>
-        <p:blipFill>
-          <a:blip r:embed="rId4">
-            <a:alphaModFix/>
-          </a:blip>
-          <a:stretch>
-            <a:fillRect/>
-          </a:stretch>
-        </p:blipFill>
-        <p:spPr>
-          <a:xfrm>
-            <a:off x="7235601" y="5946022"/>
-            <a:ext cx="1545699" cy="541974"/>
-          </a:xfrm>
-          <a:prstGeom prst="rect">
-            <a:avLst/>
-          </a:prstGeom>
-          <a:noFill/>
-          <a:ln>
-            <a:noFill/>
-          </a:ln>
-        </p:spPr>
-      </p:pic>
     </p:spTree>
   </p:cSld>
   <p:clrMapOvr>
@@ -4773,84 +4867,6 @@
           <p:cNvPr id="67" name="Shape 67"/>
           <p:cNvSpPr txBox="1"/>
           <p:nvPr>
-            <p:ph idx="1" type="body"/>
-          </p:nvPr>
-        </p:nvSpPr>
-        <p:spPr>
-          <a:xfrm>
-            <a:off x="311700" y="1536633"/>
-            <a:ext cx="8520599" cy="4555199"/>
-          </a:xfrm>
-          <a:prstGeom prst="rect">
-            <a:avLst/>
-          </a:prstGeom>
-        </p:spPr>
-        <p:txBody>
-          <a:bodyPr anchorCtr="0" anchor="ctr" bIns="91425" lIns="91425" rIns="91425" tIns="91425">
-            <a:noAutofit/>
-          </a:bodyPr>
-          <a:lstStyle/>
-          <a:p>
-            <a:pPr indent="-457200" lvl="0" marL="457200" rtl="0">
-              <a:lnSpc>
-                <a:spcPct val="150000"/>
-              </a:lnSpc>
-              <a:spcBef>
-                <a:spcPts val="0"/>
-              </a:spcBef>
-              <a:spcAft>
-                <a:spcPts val="0"/>
-              </a:spcAft>
-              <a:buSzPct val="100000"/>
-            </a:pPr>
-            <a:r>
-              <a:rPr lang="en" sz="3600"/>
-              <a:t>…</a:t>
-            </a:r>
-          </a:p>
-          <a:p>
-            <a:pPr indent="-457200" lvl="0" marL="457200" rtl="0">
-              <a:lnSpc>
-                <a:spcPct val="150000"/>
-              </a:lnSpc>
-              <a:spcBef>
-                <a:spcPts val="0"/>
-              </a:spcBef>
-              <a:spcAft>
-                <a:spcPts val="0"/>
-              </a:spcAft>
-              <a:buSzPct val="100000"/>
-            </a:pPr>
-            <a:r>
-              <a:rPr lang="en" sz="3600"/>
-              <a:t>…</a:t>
-            </a:r>
-          </a:p>
-          <a:p>
-            <a:pPr indent="-457200" lvl="0" marL="457200" rtl="0">
-              <a:lnSpc>
-                <a:spcPct val="150000"/>
-              </a:lnSpc>
-              <a:spcBef>
-                <a:spcPts val="0"/>
-              </a:spcBef>
-              <a:spcAft>
-                <a:spcPts val="0"/>
-              </a:spcAft>
-              <a:buSzPct val="100000"/>
-            </a:pPr>
-            <a:r>
-              <a:rPr lang="en" sz="3600"/>
-              <a:t>...</a:t>
-            </a:r>
-          </a:p>
-        </p:txBody>
-      </p:sp>
-      <p:sp>
-        <p:nvSpPr>
-          <p:cNvPr id="68" name="Shape 68"/>
-          <p:cNvSpPr txBox="1"/>
-          <p:nvPr>
             <p:ph idx="12" type="sldNum"/>
           </p:nvPr>
         </p:nvSpPr>
@@ -4884,7 +4900,7 @@
       </p:sp>
       <p:sp>
         <p:nvSpPr>
-          <p:cNvPr id="69" name="Shape 69"/>
+          <p:cNvPr id="68" name="Shape 68"/>
           <p:cNvSpPr txBox="1"/>
           <p:nvPr>
             <p:ph type="title"/>
@@ -4913,14 +4929,14 @@
             </a:pPr>
             <a:r>
               <a:rPr lang="en"/>
-              <a:t>Índex</a:t>
+              <a:t>Temari</a:t>
             </a:r>
           </a:p>
         </p:txBody>
       </p:sp>
       <p:sp>
         <p:nvSpPr>
-          <p:cNvPr id="70" name="Shape 70"/>
+          <p:cNvPr id="69" name="Shape 69"/>
           <p:cNvSpPr txBox="1"/>
           <p:nvPr>
             <p:ph idx="2" type="sldNum"/>
@@ -4954,6 +4970,62 @@
           </a:p>
         </p:txBody>
       </p:sp>
+      <p:pic>
+        <p:nvPicPr>
+          <p:cNvPr id="70" name="Shape 70"/>
+          <p:cNvPicPr preferRelativeResize="0"/>
+          <p:nvPr/>
+        </p:nvPicPr>
+        <p:blipFill>
+          <a:blip r:embed="rId3">
+            <a:alphaModFix/>
+          </a:blip>
+          <a:stretch>
+            <a:fillRect/>
+          </a:stretch>
+        </p:blipFill>
+        <p:spPr>
+          <a:xfrm>
+            <a:off x="2414862" y="2300675"/>
+            <a:ext cx="4314274" cy="1499224"/>
+          </a:xfrm>
+          <a:prstGeom prst="rect">
+            <a:avLst/>
+          </a:prstGeom>
+          <a:noFill/>
+          <a:ln>
+            <a:noFill/>
+          </a:ln>
+        </p:spPr>
+      </p:pic>
+      <p:pic>
+        <p:nvPicPr>
+          <p:cNvPr id="71" name="Shape 71"/>
+          <p:cNvPicPr preferRelativeResize="0"/>
+          <p:nvPr/>
+        </p:nvPicPr>
+        <p:blipFill>
+          <a:blip r:embed="rId4">
+            <a:alphaModFix/>
+          </a:blip>
+          <a:stretch>
+            <a:fillRect/>
+          </a:stretch>
+        </p:blipFill>
+        <p:spPr>
+          <a:xfrm>
+            <a:off x="3530799" y="4824475"/>
+            <a:ext cx="2082315" cy="870424"/>
+          </a:xfrm>
+          <a:prstGeom prst="rect">
+            <a:avLst/>
+          </a:prstGeom>
+          <a:noFill/>
+          <a:ln>
+            <a:noFill/>
+          </a:ln>
+        </p:spPr>
+      </p:pic>
     </p:spTree>
   </p:cSld>
   <p:clrMapOvr>
@@ -4970,7 +5042,7 @@
   <p:cSld>
     <p:spTree>
       <p:nvGrpSpPr>
-        <p:cNvPr id="74" name="Shape 74"/>
+        <p:cNvPr id="75" name="Shape 75"/>
         <p:cNvGrpSpPr/>
         <p:nvPr/>
       </p:nvGrpSpPr>
@@ -4984,7 +5056,194 @@
       </p:grpSpPr>
       <p:sp>
         <p:nvSpPr>
-          <p:cNvPr id="75" name="Shape 75"/>
+          <p:cNvPr id="76" name="Shape 76"/>
+          <p:cNvSpPr txBox="1"/>
+          <p:nvPr>
+            <p:ph idx="1" type="body"/>
+          </p:nvPr>
+        </p:nvSpPr>
+        <p:spPr>
+          <a:xfrm>
+            <a:off x="311700" y="1536633"/>
+            <a:ext cx="8520599" cy="4555199"/>
+          </a:xfrm>
+          <a:prstGeom prst="rect">
+            <a:avLst/>
+          </a:prstGeom>
+        </p:spPr>
+        <p:txBody>
+          <a:bodyPr anchorCtr="0" anchor="ctr" bIns="91425" lIns="91425" rIns="91425" tIns="91425">
+            <a:noAutofit/>
+          </a:bodyPr>
+          <a:lstStyle/>
+          <a:p>
+            <a:pPr lvl="0" rtl="0" algn="ctr">
+              <a:lnSpc>
+                <a:spcPct val="150000"/>
+              </a:lnSpc>
+              <a:spcBef>
+                <a:spcPts val="0"/>
+              </a:spcBef>
+              <a:spcAft>
+                <a:spcPts val="0"/>
+              </a:spcAft>
+              <a:buNone/>
+            </a:pPr>
+            <a:r>
+              <a:rPr lang="en" sz="2400" u="sng">
+                <a:solidFill>
+                  <a:schemeClr val="hlink"/>
+                </a:solidFill>
+                <a:hlinkClick r:id="rId3"/>
+              </a:rPr>
+              <a:t>https://github.com/nmaletm/seminari-fib-2016</a:t>
+            </a:r>
+            <a:r>
+              <a:rPr lang="en" sz="2400"/>
+              <a:t> </a:t>
+            </a:r>
+          </a:p>
+        </p:txBody>
+      </p:sp>
+      <p:sp>
+        <p:nvSpPr>
+          <p:cNvPr id="77" name="Shape 77"/>
+          <p:cNvSpPr txBox="1"/>
+          <p:nvPr>
+            <p:ph idx="12" type="sldNum"/>
+          </p:nvPr>
+        </p:nvSpPr>
+        <p:spPr>
+          <a:xfrm>
+            <a:off x="8472457" y="8290163"/>
+            <a:ext cx="548699" cy="699599"/>
+          </a:xfrm>
+          <a:prstGeom prst="rect">
+            <a:avLst/>
+          </a:prstGeom>
+        </p:spPr>
+        <p:txBody>
+          <a:bodyPr anchorCtr="0" anchor="ctr" bIns="91425" lIns="91425" rIns="91425" tIns="91425">
+            <a:noAutofit/>
+          </a:bodyPr>
+          <a:lstStyle/>
+          <a:p>
+            <a:pPr lvl="0" rtl="0">
+              <a:spcBef>
+                <a:spcPts val="0"/>
+              </a:spcBef>
+              <a:buNone/>
+            </a:pPr>
+            <a:fld id="{00000000-1234-1234-1234-123412341234}" type="slidenum">
+              <a:rPr lang="en"/>
+              <a:t>‹#›</a:t>
+            </a:fld>
+          </a:p>
+        </p:txBody>
+      </p:sp>
+      <p:sp>
+        <p:nvSpPr>
+          <p:cNvPr id="78" name="Shape 78"/>
+          <p:cNvSpPr txBox="1"/>
+          <p:nvPr>
+            <p:ph type="title"/>
+          </p:nvPr>
+        </p:nvSpPr>
+        <p:spPr>
+          <a:xfrm>
+            <a:off x="311650" y="123291"/>
+            <a:ext cx="8520599" cy="763500"/>
+          </a:xfrm>
+          <a:prstGeom prst="rect">
+            <a:avLst/>
+          </a:prstGeom>
+        </p:spPr>
+        <p:txBody>
+          <a:bodyPr anchorCtr="0" anchor="t" bIns="91425" lIns="91425" rIns="91425" tIns="91425">
+            <a:noAutofit/>
+          </a:bodyPr>
+          <a:lstStyle/>
+          <a:p>
+            <a:pPr lvl="0" rtl="0">
+              <a:spcBef>
+                <a:spcPts val="0"/>
+              </a:spcBef>
+              <a:buNone/>
+            </a:pPr>
+            <a:r>
+              <a:rPr lang="en"/>
+              <a:t>Material seminari</a:t>
+            </a:r>
+          </a:p>
+        </p:txBody>
+      </p:sp>
+      <p:sp>
+        <p:nvSpPr>
+          <p:cNvPr id="79" name="Shape 79"/>
+          <p:cNvSpPr txBox="1"/>
+          <p:nvPr>
+            <p:ph idx="2" type="sldNum"/>
+          </p:nvPr>
+        </p:nvSpPr>
+        <p:spPr>
+          <a:xfrm>
+            <a:off x="8472457" y="6217622"/>
+            <a:ext cx="548699" cy="524699"/>
+          </a:xfrm>
+          <a:prstGeom prst="rect">
+            <a:avLst/>
+          </a:prstGeom>
+        </p:spPr>
+        <p:txBody>
+          <a:bodyPr anchorCtr="0" anchor="ctr" bIns="91425" lIns="91425" rIns="91425" tIns="91425">
+            <a:noAutofit/>
+          </a:bodyPr>
+          <a:lstStyle/>
+          <a:p>
+            <a:pPr lvl="0" rtl="0">
+              <a:spcBef>
+                <a:spcPts val="0"/>
+              </a:spcBef>
+              <a:buNone/>
+            </a:pPr>
+            <a:fld id="{00000000-1234-1234-1234-123412341234}" type="slidenum">
+              <a:rPr lang="en"/>
+              <a:t>‹#›</a:t>
+            </a:fld>
+          </a:p>
+        </p:txBody>
+      </p:sp>
+    </p:spTree>
+  </p:cSld>
+  <p:clrMapOvr>
+    <a:masterClrMapping/>
+  </p:clrMapOvr>
+  <p:transition spd="slow">
+    <p:cut/>
+  </p:transition>
+</p:sld>
+</file>
+
+<file path=ppt/slides/slide3.xml><?xml version="1.0" encoding="utf-8"?>
+<p:sld xmlns:a="http://schemas.openxmlformats.org/drawingml/2006/main" xmlns:r="http://schemas.openxmlformats.org/officeDocument/2006/relationships" xmlns:mc="http://schemas.openxmlformats.org/markup-compatibility/2006" xmlns:mv="urn:schemas-microsoft-com:mac:vml" xmlns:p="http://schemas.openxmlformats.org/presentationml/2006/main" xmlns:c="http://schemas.openxmlformats.org/drawingml/2006/chart" xmlns:dgm="http://schemas.openxmlformats.org/drawingml/2006/diagram" xmlns:o="urn:schemas-microsoft-com:office:office" xmlns:v="urn:schemas-microsoft-com:vml" xmlns:pvml="urn:schemas-microsoft-com:office:powerpoint" xmlns:com="http://schemas.openxmlformats.org/drawingml/2006/compatibility" xmlns:p14="http://schemas.microsoft.com/office/powerpoint/2010/main">
+  <p:cSld>
+    <p:spTree>
+      <p:nvGrpSpPr>
+        <p:cNvPr id="83" name="Shape 83"/>
+        <p:cNvGrpSpPr/>
+        <p:nvPr/>
+      </p:nvGrpSpPr>
+      <p:grpSpPr>
+        <a:xfrm>
+          <a:off x="0" y="0"/>
+          <a:ext cx="0" cy="0"/>
+          <a:chOff x="0" y="0"/>
+          <a:chExt cx="0" cy="0"/>
+        </a:xfrm>
+      </p:grpSpPr>
+      <p:sp>
+        <p:nvSpPr>
+          <p:cNvPr id="84" name="Shape 84"/>
           <p:cNvSpPr txBox="1"/>
           <p:nvPr>
             <p:ph idx="1" type="body"/>
@@ -5087,7 +5346,7 @@
       </p:sp>
       <p:sp>
         <p:nvSpPr>
-          <p:cNvPr id="76" name="Shape 76"/>
+          <p:cNvPr id="85" name="Shape 85"/>
           <p:cNvSpPr txBox="1"/>
           <p:nvPr>
             <p:ph idx="12" type="sldNum"/>
@@ -5123,7 +5382,7 @@
       </p:sp>
       <p:sp>
         <p:nvSpPr>
-          <p:cNvPr id="77" name="Shape 77"/>
+          <p:cNvPr id="86" name="Shape 86"/>
           <p:cNvSpPr txBox="1"/>
           <p:nvPr>
             <p:ph type="title"/>
@@ -5159,7 +5418,7 @@
       </p:sp>
       <p:sp>
         <p:nvSpPr>
-          <p:cNvPr id="78" name="Shape 78"/>
+          <p:cNvPr id="87" name="Shape 87"/>
           <p:cNvSpPr txBox="1"/>
           <p:nvPr>
             <p:ph idx="2" type="sldNum"/>
@@ -5204,12 +5463,12 @@
 </p:sld>
 </file>
 
-<file path=ppt/slides/slide3.xml><?xml version="1.0" encoding="utf-8"?>
+<file path=ppt/slides/slide4.xml><?xml version="1.0" encoding="utf-8"?>
 <p:sld xmlns:a="http://schemas.openxmlformats.org/drawingml/2006/main" xmlns:r="http://schemas.openxmlformats.org/officeDocument/2006/relationships" xmlns:mc="http://schemas.openxmlformats.org/markup-compatibility/2006" xmlns:mv="urn:schemas-microsoft-com:mac:vml" xmlns:p="http://schemas.openxmlformats.org/presentationml/2006/main" xmlns:c="http://schemas.openxmlformats.org/drawingml/2006/chart" xmlns:dgm="http://schemas.openxmlformats.org/drawingml/2006/diagram" xmlns:o="urn:schemas-microsoft-com:office:office" xmlns:v="urn:schemas-microsoft-com:vml" xmlns:pvml="urn:schemas-microsoft-com:office:powerpoint" xmlns:com="http://schemas.openxmlformats.org/drawingml/2006/compatibility" xmlns:p14="http://schemas.microsoft.com/office/powerpoint/2010/main">
   <p:cSld>
     <p:spTree>
       <p:nvGrpSpPr>
-        <p:cNvPr id="82" name="Shape 82"/>
+        <p:cNvPr id="91" name="Shape 91"/>
         <p:cNvGrpSpPr/>
         <p:nvPr/>
       </p:nvGrpSpPr>
@@ -5223,7 +5482,7 @@
       </p:grpSpPr>
       <p:sp>
         <p:nvSpPr>
-          <p:cNvPr id="83" name="Shape 83"/>
+          <p:cNvPr id="92" name="Shape 92"/>
           <p:cNvSpPr txBox="1"/>
           <p:nvPr>
             <p:ph idx="1" type="body"/>
@@ -5342,7 +5601,7 @@
       </p:sp>
       <p:sp>
         <p:nvSpPr>
-          <p:cNvPr id="84" name="Shape 84"/>
+          <p:cNvPr id="93" name="Shape 93"/>
           <p:cNvSpPr txBox="1"/>
           <p:nvPr>
             <p:ph idx="12" type="sldNum"/>
@@ -5378,7 +5637,7 @@
       </p:sp>
       <p:sp>
         <p:nvSpPr>
-          <p:cNvPr id="85" name="Shape 85"/>
+          <p:cNvPr id="94" name="Shape 94"/>
           <p:cNvSpPr txBox="1"/>
           <p:nvPr>
             <p:ph type="title"/>
@@ -5414,7 +5673,7 @@
       </p:sp>
       <p:sp>
         <p:nvSpPr>
-          <p:cNvPr id="86" name="Shape 86"/>
+          <p:cNvPr id="95" name="Shape 95"/>
           <p:cNvSpPr txBox="1"/>
           <p:nvPr>
             <p:ph idx="2" type="sldNum"/>
@@ -5450,7 +5709,7 @@
       </p:sp>
       <p:sp>
         <p:nvSpPr>
-          <p:cNvPr id="87" name="Shape 87"/>
+          <p:cNvPr id="96" name="Shape 96"/>
           <p:cNvSpPr txBox="1"/>
           <p:nvPr>
             <p:ph idx="3" type="body"/>
@@ -5569,7 +5828,7 @@
       </p:sp>
       <p:pic>
         <p:nvPicPr>
-          <p:cNvPr id="88" name="Shape 88"/>
+          <p:cNvPr id="97" name="Shape 97"/>
           <p:cNvPicPr preferRelativeResize="0"/>
           <p:nvPr/>
         </p:nvPicPr>
@@ -5597,7 +5856,7 @@
       </p:pic>
       <p:pic>
         <p:nvPicPr>
-          <p:cNvPr id="89" name="Shape 89"/>
+          <p:cNvPr id="98" name="Shape 98"/>
           <p:cNvPicPr preferRelativeResize="0"/>
           <p:nvPr/>
         </p:nvPicPr>
@@ -5634,7 +5893,7 @@
 </p:sld>
 </file>
 
-<file path=ppt/slides/slide4.xml><?xml version="1.0" encoding="utf-8"?>
+<file path=ppt/slides/slide5.xml><?xml version="1.0" encoding="utf-8"?>
 <p:sld xmlns:a="http://schemas.openxmlformats.org/drawingml/2006/main" xmlns:r="http://schemas.openxmlformats.org/officeDocument/2006/relationships" xmlns:mc="http://schemas.openxmlformats.org/markup-compatibility/2006" xmlns:mv="urn:schemas-microsoft-com:mac:vml" xmlns:p="http://schemas.openxmlformats.org/presentationml/2006/main" xmlns:c="http://schemas.openxmlformats.org/drawingml/2006/chart" xmlns:dgm="http://schemas.openxmlformats.org/drawingml/2006/diagram" xmlns:o="urn:schemas-microsoft-com:office:office" xmlns:v="urn:schemas-microsoft-com:vml" xmlns:pvml="urn:schemas-microsoft-com:office:powerpoint" xmlns:com="http://schemas.openxmlformats.org/drawingml/2006/compatibility" xmlns:p14="http://schemas.microsoft.com/office/powerpoint/2010/main">
   <p:cSld>
     <p:bg>
@@ -5646,7 +5905,7 @@
     </p:bg>
     <p:spTree>
       <p:nvGrpSpPr>
-        <p:cNvPr id="93" name="Shape 93"/>
+        <p:cNvPr id="102" name="Shape 102"/>
         <p:cNvGrpSpPr/>
         <p:nvPr/>
       </p:nvGrpSpPr>
@@ -5660,7 +5919,7 @@
       </p:grpSpPr>
       <p:sp>
         <p:nvSpPr>
-          <p:cNvPr id="94" name="Shape 94"/>
+          <p:cNvPr id="103" name="Shape 103"/>
           <p:cNvSpPr txBox="1"/>
           <p:nvPr>
             <p:ph type="title"/>
@@ -5700,7 +5959,7 @@
       </p:sp>
       <p:pic>
         <p:nvPicPr>
-          <p:cNvPr id="95" name="Shape 95"/>
+          <p:cNvPr id="104" name="Shape 104"/>
           <p:cNvPicPr preferRelativeResize="0"/>
           <p:nvPr/>
         </p:nvPicPr>

--- a/Presentations/P3.2 - Conclusio.pptx
+++ b/Presentations/P3.2 - Conclusio.pptx
@@ -14,16 +14,19 @@
     <p:sldId id="259" r:id="rId8"/>
     <p:sldId id="260" r:id="rId9"/>
     <p:sldId id="261" r:id="rId10"/>
+    <p:sldId id="262" r:id="rId11"/>
+    <p:sldId id="263" r:id="rId12"/>
+    <p:sldId id="264" r:id="rId13"/>
   </p:sldIdLst>
   <p:sldSz cy="6858000" cx="9144000"/>
   <p:notesSz cx="6858000" cy="9144000"/>
   <p:embeddedFontLst>
     <p:embeddedFont>
       <p:font typeface="Open Sans"/>
-      <p:regular r:id="rId11"/>
-      <p:bold r:id="rId12"/>
-      <p:italic r:id="rId13"/>
-      <p:boldItalic r:id="rId14"/>
+      <p:regular r:id="rId14"/>
+      <p:bold r:id="rId15"/>
+      <p:italic r:id="rId16"/>
+      <p:boldItalic r:id="rId17"/>
     </p:embeddedFont>
   </p:embeddedFontLst>
   <p:defaultTextStyle>
@@ -438,16 +441,6 @@
               </a:path>
             </a:pathLst>
           </a:custGeom>
-          <a:noFill/>
-          <a:ln cap="flat" cmpd="sng" w="9525">
-            <a:solidFill>
-              <a:srgbClr val="000000"/>
-            </a:solidFill>
-            <a:prstDash val="solid"/>
-            <a:round/>
-            <a:headEnd len="med" w="med" type="none"/>
-            <a:tailEnd len="med" w="med" type="none"/>
-          </a:ln>
         </p:spPr>
       </p:sp>
       <p:sp>
@@ -543,16 +536,6 @@
               </a:path>
             </a:pathLst>
           </a:custGeom>
-          <a:noFill/>
-          <a:ln cap="flat" cmpd="sng" w="9525">
-            <a:solidFill>
-              <a:srgbClr val="000000"/>
-            </a:solidFill>
-            <a:prstDash val="solid"/>
-            <a:round/>
-            <a:headEnd len="med" w="med" type="none"/>
-            <a:tailEnd len="med" w="med" type="none"/>
-          </a:ln>
         </p:spPr>
       </p:sp>
       <p:sp>
@@ -648,16 +631,6 @@
               </a:path>
             </a:pathLst>
           </a:custGeom>
-          <a:noFill/>
-          <a:ln cap="flat" cmpd="sng" w="9525">
-            <a:solidFill>
-              <a:srgbClr val="000000"/>
-            </a:solidFill>
-            <a:prstDash val="solid"/>
-            <a:round/>
-            <a:headEnd len="med" w="med" type="none"/>
-            <a:tailEnd len="med" w="med" type="none"/>
-          </a:ln>
         </p:spPr>
       </p:sp>
       <p:sp>
@@ -683,7 +656,7 @@
           </a:bodyPr>
           <a:lstStyle/>
           <a:p>
-            <a:pPr lvl="0" rtl="0">
+            <a:pPr lvl="0">
               <a:spcBef>
                 <a:spcPts val="0"/>
               </a:spcBef>
@@ -709,7 +682,7 @@
   <p:cSld>
     <p:spTree>
       <p:nvGrpSpPr>
-        <p:cNvPr id="80" name="Shape 80"/>
+        <p:cNvPr id="81" name="Shape 81"/>
         <p:cNvGrpSpPr/>
         <p:nvPr/>
       </p:nvGrpSpPr>
@@ -723,7 +696,7 @@
       </p:grpSpPr>
       <p:sp>
         <p:nvSpPr>
-          <p:cNvPr id="81" name="Shape 81"/>
+          <p:cNvPr id="82" name="Shape 82"/>
           <p:cNvSpPr/>
           <p:nvPr>
             <p:ph idx="2" type="sldImg"/>
@@ -753,21 +726,11 @@
               </a:path>
             </a:pathLst>
           </a:custGeom>
-          <a:noFill/>
-          <a:ln cap="flat" cmpd="sng" w="9525">
-            <a:solidFill>
-              <a:srgbClr val="000000"/>
-            </a:solidFill>
-            <a:prstDash val="solid"/>
-            <a:round/>
-            <a:headEnd len="med" w="med" type="none"/>
-            <a:tailEnd len="med" w="med" type="none"/>
-          </a:ln>
-        </p:spPr>
-      </p:sp>
-      <p:sp>
-        <p:nvSpPr>
-          <p:cNvPr id="82" name="Shape 82"/>
+        </p:spPr>
+      </p:sp>
+      <p:sp>
+        <p:nvSpPr>
+          <p:cNvPr id="83" name="Shape 83"/>
           <p:cNvSpPr txBox="1"/>
           <p:nvPr>
             <p:ph idx="1" type="body"/>
@@ -788,7 +751,7 @@
           </a:bodyPr>
           <a:lstStyle/>
           <a:p>
-            <a:pPr lvl="0" rtl="0">
+            <a:pPr lvl="0">
               <a:spcBef>
                 <a:spcPts val="0"/>
               </a:spcBef>
@@ -814,7 +777,7 @@
   <p:cSld>
     <p:spTree>
       <p:nvGrpSpPr>
-        <p:cNvPr id="88" name="Shape 88"/>
+        <p:cNvPr id="116" name="Shape 116"/>
         <p:cNvGrpSpPr/>
         <p:nvPr/>
       </p:nvGrpSpPr>
@@ -828,7 +791,7 @@
       </p:grpSpPr>
       <p:sp>
         <p:nvSpPr>
-          <p:cNvPr id="89" name="Shape 89"/>
+          <p:cNvPr id="117" name="Shape 117"/>
           <p:cNvSpPr/>
           <p:nvPr>
             <p:ph idx="2" type="sldImg"/>
@@ -858,21 +821,11 @@
               </a:path>
             </a:pathLst>
           </a:custGeom>
-          <a:noFill/>
-          <a:ln cap="flat" cmpd="sng" w="9525">
-            <a:solidFill>
-              <a:srgbClr val="000000"/>
-            </a:solidFill>
-            <a:prstDash val="solid"/>
-            <a:round/>
-            <a:headEnd len="med" w="med" type="none"/>
-            <a:tailEnd len="med" w="med" type="none"/>
-          </a:ln>
-        </p:spPr>
-      </p:sp>
-      <p:sp>
-        <p:nvSpPr>
-          <p:cNvPr id="90" name="Shape 90"/>
+        </p:spPr>
+      </p:sp>
+      <p:sp>
+        <p:nvSpPr>
+          <p:cNvPr id="118" name="Shape 118"/>
           <p:cNvSpPr txBox="1"/>
           <p:nvPr>
             <p:ph idx="1" type="body"/>
@@ -893,7 +846,7 @@
           </a:bodyPr>
           <a:lstStyle/>
           <a:p>
-            <a:pPr lvl="0" rtl="0">
+            <a:pPr lvl="0">
               <a:spcBef>
                 <a:spcPts val="0"/>
               </a:spcBef>
@@ -919,7 +872,7 @@
   <p:cSld>
     <p:spTree>
       <p:nvGrpSpPr>
-        <p:cNvPr id="99" name="Shape 99"/>
+        <p:cNvPr id="125" name="Shape 125"/>
         <p:cNvGrpSpPr/>
         <p:nvPr/>
       </p:nvGrpSpPr>
@@ -933,7 +886,7 @@
       </p:grpSpPr>
       <p:sp>
         <p:nvSpPr>
-          <p:cNvPr id="100" name="Shape 100"/>
+          <p:cNvPr id="126" name="Shape 126"/>
           <p:cNvSpPr/>
           <p:nvPr>
             <p:ph idx="2" type="sldImg"/>
@@ -941,8 +894,8 @@
         </p:nvSpPr>
         <p:spPr>
           <a:xfrm>
-            <a:off x="1143210" y="685800"/>
-            <a:ext cx="4572225" cy="3429000"/>
+            <a:off x="1143309" y="685800"/>
+            <a:ext cx="4572000" cy="3429000"/>
           </a:xfrm>
           <a:custGeom>
             <a:pathLst>
@@ -963,21 +916,296 @@
               </a:path>
             </a:pathLst>
           </a:custGeom>
-          <a:noFill/>
-          <a:ln cap="flat" cmpd="sng" w="9525">
-            <a:solidFill>
-              <a:srgbClr val="000000"/>
-            </a:solidFill>
-            <a:prstDash val="solid"/>
-            <a:round/>
-            <a:headEnd len="med" w="med" type="none"/>
-            <a:tailEnd len="med" w="med" type="none"/>
-          </a:ln>
-        </p:spPr>
-      </p:sp>
-      <p:sp>
-        <p:nvSpPr>
-          <p:cNvPr id="101" name="Shape 101"/>
+        </p:spPr>
+      </p:sp>
+      <p:sp>
+        <p:nvSpPr>
+          <p:cNvPr id="127" name="Shape 127"/>
+          <p:cNvSpPr txBox="1"/>
+          <p:nvPr>
+            <p:ph idx="1" type="body"/>
+          </p:nvPr>
+        </p:nvSpPr>
+        <p:spPr>
+          <a:xfrm>
+            <a:off x="685800" y="4343400"/>
+            <a:ext cx="5486399" cy="4114800"/>
+          </a:xfrm>
+          <a:prstGeom prst="rect">
+            <a:avLst/>
+          </a:prstGeom>
+        </p:spPr>
+        <p:txBody>
+          <a:bodyPr anchorCtr="0" anchor="t" bIns="91425" lIns="91425" rIns="91425" tIns="91425">
+            <a:noAutofit/>
+          </a:bodyPr>
+          <a:lstStyle/>
+          <a:p>
+            <a:pPr lvl="0" rtl="0">
+              <a:spcBef>
+                <a:spcPts val="0"/>
+              </a:spcBef>
+              <a:buNone/>
+            </a:pPr>
+            <a:r>
+              <a:t/>
+            </a:r>
+            <a:endParaRPr/>
+          </a:p>
+        </p:txBody>
+      </p:sp>
+    </p:spTree>
+  </p:cSld>
+  <p:clrMapOvr>
+    <a:masterClrMapping/>
+  </p:clrMapOvr>
+</p:notes>
+</file>
+
+<file path=ppt/notesSlides/notesSlide6.xml><?xml version="1.0" encoding="utf-8"?>
+<p:notes xmlns:a="http://schemas.openxmlformats.org/drawingml/2006/main" xmlns:r="http://schemas.openxmlformats.org/officeDocument/2006/relationships" xmlns:mc="http://schemas.openxmlformats.org/markup-compatibility/2006" xmlns:mv="urn:schemas-microsoft-com:mac:vml" xmlns:p="http://schemas.openxmlformats.org/presentationml/2006/main" xmlns:c="http://schemas.openxmlformats.org/drawingml/2006/chart" xmlns:dgm="http://schemas.openxmlformats.org/drawingml/2006/diagram" xmlns:o="urn:schemas-microsoft-com:office:office" xmlns:v="urn:schemas-microsoft-com:vml" xmlns:pvml="urn:schemas-microsoft-com:office:powerpoint" xmlns:com="http://schemas.openxmlformats.org/drawingml/2006/compatibility" xmlns:p14="http://schemas.microsoft.com/office/powerpoint/2010/main" showMasterPhAnim="0" showMasterSp="0">
+  <p:cSld>
+    <p:spTree>
+      <p:nvGrpSpPr>
+        <p:cNvPr id="133" name="Shape 133"/>
+        <p:cNvGrpSpPr/>
+        <p:nvPr/>
+      </p:nvGrpSpPr>
+      <p:grpSpPr>
+        <a:xfrm>
+          <a:off x="0" y="0"/>
+          <a:ext cx="0" cy="0"/>
+          <a:chOff x="0" y="0"/>
+          <a:chExt cx="0" cy="0"/>
+        </a:xfrm>
+      </p:grpSpPr>
+      <p:sp>
+        <p:nvSpPr>
+          <p:cNvPr id="134" name="Shape 134"/>
+          <p:cNvSpPr/>
+          <p:nvPr>
+            <p:ph idx="2" type="sldImg"/>
+          </p:nvPr>
+        </p:nvSpPr>
+        <p:spPr>
+          <a:xfrm>
+            <a:off x="1143309" y="685800"/>
+            <a:ext cx="4572000" cy="3429000"/>
+          </a:xfrm>
+          <a:custGeom>
+            <a:pathLst>
+              <a:path extrusionOk="0" h="120000" w="120000">
+                <a:moveTo>
+                  <a:pt x="0" y="0"/>
+                </a:moveTo>
+                <a:lnTo>
+                  <a:pt x="120000" y="0"/>
+                </a:lnTo>
+                <a:lnTo>
+                  <a:pt x="120000" y="120000"/>
+                </a:lnTo>
+                <a:lnTo>
+                  <a:pt x="0" y="120000"/>
+                </a:lnTo>
+                <a:close/>
+              </a:path>
+            </a:pathLst>
+          </a:custGeom>
+        </p:spPr>
+      </p:sp>
+      <p:sp>
+        <p:nvSpPr>
+          <p:cNvPr id="135" name="Shape 135"/>
+          <p:cNvSpPr txBox="1"/>
+          <p:nvPr>
+            <p:ph idx="1" type="body"/>
+          </p:nvPr>
+        </p:nvSpPr>
+        <p:spPr>
+          <a:xfrm>
+            <a:off x="685800" y="4343400"/>
+            <a:ext cx="5486399" cy="4114800"/>
+          </a:xfrm>
+          <a:prstGeom prst="rect">
+            <a:avLst/>
+          </a:prstGeom>
+        </p:spPr>
+        <p:txBody>
+          <a:bodyPr anchorCtr="0" anchor="t" bIns="91425" lIns="91425" rIns="91425" tIns="91425">
+            <a:noAutofit/>
+          </a:bodyPr>
+          <a:lstStyle/>
+          <a:p>
+            <a:pPr lvl="0" rtl="0">
+              <a:spcBef>
+                <a:spcPts val="0"/>
+              </a:spcBef>
+              <a:buNone/>
+            </a:pPr>
+            <a:r>
+              <a:t/>
+            </a:r>
+            <a:endParaRPr/>
+          </a:p>
+        </p:txBody>
+      </p:sp>
+    </p:spTree>
+  </p:cSld>
+  <p:clrMapOvr>
+    <a:masterClrMapping/>
+  </p:clrMapOvr>
+</p:notes>
+</file>
+
+<file path=ppt/notesSlides/notesSlide7.xml><?xml version="1.0" encoding="utf-8"?>
+<p:notes xmlns:a="http://schemas.openxmlformats.org/drawingml/2006/main" xmlns:r="http://schemas.openxmlformats.org/officeDocument/2006/relationships" xmlns:mc="http://schemas.openxmlformats.org/markup-compatibility/2006" xmlns:mv="urn:schemas-microsoft-com:mac:vml" xmlns:p="http://schemas.openxmlformats.org/presentationml/2006/main" xmlns:c="http://schemas.openxmlformats.org/drawingml/2006/chart" xmlns:dgm="http://schemas.openxmlformats.org/drawingml/2006/diagram" xmlns:o="urn:schemas-microsoft-com:office:office" xmlns:v="urn:schemas-microsoft-com:vml" xmlns:pvml="urn:schemas-microsoft-com:office:powerpoint" xmlns:com="http://schemas.openxmlformats.org/drawingml/2006/compatibility" xmlns:p14="http://schemas.microsoft.com/office/powerpoint/2010/main" showMasterPhAnim="0" showMasterSp="0">
+  <p:cSld>
+    <p:spTree>
+      <p:nvGrpSpPr>
+        <p:cNvPr id="141" name="Shape 141"/>
+        <p:cNvGrpSpPr/>
+        <p:nvPr/>
+      </p:nvGrpSpPr>
+      <p:grpSpPr>
+        <a:xfrm>
+          <a:off x="0" y="0"/>
+          <a:ext cx="0" cy="0"/>
+          <a:chOff x="0" y="0"/>
+          <a:chExt cx="0" cy="0"/>
+        </a:xfrm>
+      </p:grpSpPr>
+      <p:sp>
+        <p:nvSpPr>
+          <p:cNvPr id="142" name="Shape 142"/>
+          <p:cNvSpPr/>
+          <p:nvPr>
+            <p:ph idx="2" type="sldImg"/>
+          </p:nvPr>
+        </p:nvSpPr>
+        <p:spPr>
+          <a:xfrm>
+            <a:off x="1143309" y="685800"/>
+            <a:ext cx="4572000" cy="3429000"/>
+          </a:xfrm>
+          <a:custGeom>
+            <a:pathLst>
+              <a:path extrusionOk="0" h="120000" w="120000">
+                <a:moveTo>
+                  <a:pt x="0" y="0"/>
+                </a:moveTo>
+                <a:lnTo>
+                  <a:pt x="120000" y="0"/>
+                </a:lnTo>
+                <a:lnTo>
+                  <a:pt x="120000" y="120000"/>
+                </a:lnTo>
+                <a:lnTo>
+                  <a:pt x="0" y="120000"/>
+                </a:lnTo>
+                <a:close/>
+              </a:path>
+            </a:pathLst>
+          </a:custGeom>
+        </p:spPr>
+      </p:sp>
+      <p:sp>
+        <p:nvSpPr>
+          <p:cNvPr id="143" name="Shape 143"/>
+          <p:cNvSpPr txBox="1"/>
+          <p:nvPr>
+            <p:ph idx="1" type="body"/>
+          </p:nvPr>
+        </p:nvSpPr>
+        <p:spPr>
+          <a:xfrm>
+            <a:off x="685800" y="4343400"/>
+            <a:ext cx="5486399" cy="4114800"/>
+          </a:xfrm>
+          <a:prstGeom prst="rect">
+            <a:avLst/>
+          </a:prstGeom>
+        </p:spPr>
+        <p:txBody>
+          <a:bodyPr anchorCtr="0" anchor="t" bIns="91425" lIns="91425" rIns="91425" tIns="91425">
+            <a:noAutofit/>
+          </a:bodyPr>
+          <a:lstStyle/>
+          <a:p>
+            <a:pPr lvl="0" rtl="0">
+              <a:spcBef>
+                <a:spcPts val="0"/>
+              </a:spcBef>
+              <a:buNone/>
+            </a:pPr>
+            <a:r>
+              <a:t/>
+            </a:r>
+            <a:endParaRPr/>
+          </a:p>
+        </p:txBody>
+      </p:sp>
+    </p:spTree>
+  </p:cSld>
+  <p:clrMapOvr>
+    <a:masterClrMapping/>
+  </p:clrMapOvr>
+</p:notes>
+</file>
+
+<file path=ppt/notesSlides/notesSlide8.xml><?xml version="1.0" encoding="utf-8"?>
+<p:notes xmlns:a="http://schemas.openxmlformats.org/drawingml/2006/main" xmlns:r="http://schemas.openxmlformats.org/officeDocument/2006/relationships" xmlns:mc="http://schemas.openxmlformats.org/markup-compatibility/2006" xmlns:mv="urn:schemas-microsoft-com:mac:vml" xmlns:p="http://schemas.openxmlformats.org/presentationml/2006/main" xmlns:c="http://schemas.openxmlformats.org/drawingml/2006/chart" xmlns:dgm="http://schemas.openxmlformats.org/drawingml/2006/diagram" xmlns:o="urn:schemas-microsoft-com:office:office" xmlns:v="urn:schemas-microsoft-com:vml" xmlns:pvml="urn:schemas-microsoft-com:office:powerpoint" xmlns:com="http://schemas.openxmlformats.org/drawingml/2006/compatibility" xmlns:p14="http://schemas.microsoft.com/office/powerpoint/2010/main" showMasterPhAnim="0" showMasterSp="0">
+  <p:cSld>
+    <p:spTree>
+      <p:nvGrpSpPr>
+        <p:cNvPr id="152" name="Shape 152"/>
+        <p:cNvGrpSpPr/>
+        <p:nvPr/>
+      </p:nvGrpSpPr>
+      <p:grpSpPr>
+        <a:xfrm>
+          <a:off x="0" y="0"/>
+          <a:ext cx="0" cy="0"/>
+          <a:chOff x="0" y="0"/>
+          <a:chExt cx="0" cy="0"/>
+        </a:xfrm>
+      </p:grpSpPr>
+      <p:sp>
+        <p:nvSpPr>
+          <p:cNvPr id="153" name="Shape 153"/>
+          <p:cNvSpPr/>
+          <p:nvPr>
+            <p:ph idx="2" type="sldImg"/>
+          </p:nvPr>
+        </p:nvSpPr>
+        <p:spPr>
+          <a:xfrm>
+            <a:off x="1143210" y="685800"/>
+            <a:ext cx="4572225" cy="3429000"/>
+          </a:xfrm>
+          <a:custGeom>
+            <a:pathLst>
+              <a:path extrusionOk="0" h="120000" w="120000">
+                <a:moveTo>
+                  <a:pt x="0" y="0"/>
+                </a:moveTo>
+                <a:lnTo>
+                  <a:pt x="120000" y="0"/>
+                </a:lnTo>
+                <a:lnTo>
+                  <a:pt x="120000" y="120000"/>
+                </a:lnTo>
+                <a:lnTo>
+                  <a:pt x="0" y="120000"/>
+                </a:lnTo>
+                <a:close/>
+              </a:path>
+            </a:pathLst>
+          </a:custGeom>
+        </p:spPr>
+      </p:sp>
+      <p:sp>
+        <p:nvSpPr>
+          <p:cNvPr id="154" name="Shape 154"/>
           <p:cNvSpPr txBox="1"/>
           <p:nvPr>
             <p:ph idx="1" type="body"/>
@@ -1319,7 +1547,7 @@
 
 <file path=ppt/slideLayouts/slideLayout1.xml><?xml version="1.0" encoding="utf-8"?>
 <p:sldLayout xmlns:a="http://schemas.openxmlformats.org/drawingml/2006/main" xmlns:r="http://schemas.openxmlformats.org/officeDocument/2006/relationships" xmlns:mc="http://schemas.openxmlformats.org/markup-compatibility/2006" xmlns:mv="urn:schemas-microsoft-com:mac:vml" xmlns:p="http://schemas.openxmlformats.org/presentationml/2006/main" xmlns:c="http://schemas.openxmlformats.org/drawingml/2006/chart" xmlns:dgm="http://schemas.openxmlformats.org/drawingml/2006/diagram" xmlns:o="urn:schemas-microsoft-com:office:office" xmlns:v="urn:schemas-microsoft-com:vml" xmlns:pvml="urn:schemas-microsoft-com:office:powerpoint" xmlns:com="http://schemas.openxmlformats.org/drawingml/2006/compatibility" xmlns:p14="http://schemas.microsoft.com/office/powerpoint/2010/main" type="secHead">
-  <p:cSld name="Section title">
+  <p:cSld name="Section header">
     <p:spTree>
       <p:nvGrpSpPr>
         <p:cNvPr id="13" name="Shape 13"/>
@@ -5054,9 +5282,37 @@
           <a:chExt cx="0" cy="0"/>
         </a:xfrm>
       </p:grpSpPr>
-      <p:sp>
-        <p:nvSpPr>
+      <p:pic>
+        <p:nvPicPr>
           <p:cNvPr id="76" name="Shape 76"/>
+          <p:cNvPicPr preferRelativeResize="0"/>
+          <p:nvPr/>
+        </p:nvPicPr>
+        <p:blipFill>
+          <a:blip r:embed="rId3">
+            <a:alphaModFix/>
+          </a:blip>
+          <a:stretch>
+            <a:fillRect/>
+          </a:stretch>
+        </p:blipFill>
+        <p:spPr>
+          <a:xfrm>
+            <a:off x="3529625" y="1536625"/>
+            <a:ext cx="5144999" cy="2783050"/>
+          </a:xfrm>
+          <a:prstGeom prst="rect">
+            <a:avLst/>
+          </a:prstGeom>
+          <a:noFill/>
+          <a:ln>
+            <a:noFill/>
+          </a:ln>
+        </p:spPr>
+      </p:pic>
+      <p:sp>
+        <p:nvSpPr>
+          <p:cNvPr id="77" name="Shape 77"/>
           <p:cNvSpPr txBox="1"/>
           <p:nvPr>
             <p:ph idx="1" type="body"/>
@@ -5064,59 +5320,8 @@
         </p:nvSpPr>
         <p:spPr>
           <a:xfrm>
-            <a:off x="311700" y="1536633"/>
-            <a:ext cx="8520599" cy="4555199"/>
-          </a:xfrm>
-          <a:prstGeom prst="rect">
-            <a:avLst/>
-          </a:prstGeom>
-        </p:spPr>
-        <p:txBody>
-          <a:bodyPr anchorCtr="0" anchor="ctr" bIns="91425" lIns="91425" rIns="91425" tIns="91425">
-            <a:noAutofit/>
-          </a:bodyPr>
-          <a:lstStyle/>
-          <a:p>
-            <a:pPr lvl="0" rtl="0" algn="ctr">
-              <a:lnSpc>
-                <a:spcPct val="150000"/>
-              </a:lnSpc>
-              <a:spcBef>
-                <a:spcPts val="0"/>
-              </a:spcBef>
-              <a:spcAft>
-                <a:spcPts val="0"/>
-              </a:spcAft>
-              <a:buNone/>
-            </a:pPr>
-            <a:r>
-              <a:rPr lang="en" sz="2400" u="sng">
-                <a:solidFill>
-                  <a:schemeClr val="hlink"/>
-                </a:solidFill>
-                <a:hlinkClick r:id="rId3"/>
-              </a:rPr>
-              <a:t>https://github.com/nmaletm/seminari-fib-2016</a:t>
-            </a:r>
-            <a:r>
-              <a:rPr lang="en" sz="2400"/>
-              <a:t> </a:t>
-            </a:r>
-          </a:p>
-        </p:txBody>
-      </p:sp>
-      <p:sp>
-        <p:nvSpPr>
-          <p:cNvPr id="77" name="Shape 77"/>
-          <p:cNvSpPr txBox="1"/>
-          <p:nvPr>
-            <p:ph idx="12" type="sldNum"/>
-          </p:nvPr>
-        </p:nvSpPr>
-        <p:spPr>
-          <a:xfrm>
-            <a:off x="8472457" y="8290163"/>
-            <a:ext cx="548699" cy="699599"/>
+            <a:off x="311700" y="1536624"/>
+            <a:ext cx="8520599" cy="4918800"/>
           </a:xfrm>
           <a:prstGeom prst="rect">
             <a:avLst/>
@@ -5132,6 +5337,144 @@
               <a:spcBef>
                 <a:spcPts val="0"/>
               </a:spcBef>
+              <a:buClr>
+                <a:schemeClr val="dk1"/>
+              </a:buClr>
+              <a:buSzPct val="42307"/>
+              <a:buFont typeface="Arial"/>
+              <a:buNone/>
+            </a:pPr>
+            <a:r>
+              <a:rPr lang="en" sz="2600"/>
+              <a:t>44 Countries</a:t>
+            </a:r>
+          </a:p>
+          <a:p>
+            <a:pPr lvl="0" rtl="0">
+              <a:spcBef>
+                <a:spcPts val="0"/>
+              </a:spcBef>
+              <a:buClr>
+                <a:schemeClr val="dk1"/>
+              </a:buClr>
+              <a:buSzPct val="42307"/>
+              <a:buFont typeface="Arial"/>
+              <a:buNone/>
+            </a:pPr>
+            <a:r>
+              <a:rPr lang="en" sz="2600"/>
+              <a:t>150M ads</a:t>
+            </a:r>
+          </a:p>
+          <a:p>
+            <a:pPr lvl="0" rtl="0">
+              <a:spcBef>
+                <a:spcPts val="0"/>
+              </a:spcBef>
+              <a:buClr>
+                <a:schemeClr val="dk1"/>
+              </a:buClr>
+              <a:buSzPct val="42307"/>
+              <a:buFont typeface="Arial"/>
+              <a:buNone/>
+            </a:pPr>
+            <a:r>
+              <a:rPr lang="en" sz="2600"/>
+              <a:t>20K sources of ads</a:t>
+            </a:r>
+          </a:p>
+          <a:p>
+            <a:pPr lvl="0" rtl="0">
+              <a:spcBef>
+                <a:spcPts val="0"/>
+              </a:spcBef>
+              <a:buClr>
+                <a:schemeClr val="dk1"/>
+              </a:buClr>
+              <a:buSzPct val="42307"/>
+              <a:buFont typeface="Arial"/>
+              <a:buNone/>
+            </a:pPr>
+            <a:r>
+              <a:rPr lang="en" sz="2600"/>
+              <a:t>100M visits per month</a:t>
+            </a:r>
+          </a:p>
+          <a:p>
+            <a:pPr lvl="0" rtl="0">
+              <a:spcBef>
+                <a:spcPts val="0"/>
+              </a:spcBef>
+              <a:buClr>
+                <a:schemeClr val="dk1"/>
+              </a:buClr>
+              <a:buSzPct val="42307"/>
+              <a:buFont typeface="Arial"/>
+              <a:buNone/>
+            </a:pPr>
+            <a:r>
+              <a:rPr lang="en" sz="2600"/>
+              <a:t>400M alerts sent per month</a:t>
+            </a:r>
+          </a:p>
+          <a:p>
+            <a:pPr lvl="0" rtl="0">
+              <a:spcBef>
+                <a:spcPts val="0"/>
+              </a:spcBef>
+              <a:buClr>
+                <a:schemeClr val="dk1"/>
+              </a:buClr>
+              <a:buSzPct val="42307"/>
+              <a:buFont typeface="Arial"/>
+              <a:buNone/>
+            </a:pPr>
+            <a:r>
+              <a:rPr lang="en" sz="2600"/>
+              <a:t>80M push notifications per month</a:t>
+            </a:r>
+          </a:p>
+          <a:p>
+            <a:pPr lvl="0" rtl="0">
+              <a:spcBef>
+                <a:spcPts val="0"/>
+              </a:spcBef>
+              <a:buNone/>
+            </a:pPr>
+            <a:r>
+              <a:rPr lang="en" sz="2600"/>
+              <a:t>97 Troviters</a:t>
+            </a:r>
+          </a:p>
+        </p:txBody>
+      </p:sp>
+      <p:sp>
+        <p:nvSpPr>
+          <p:cNvPr id="78" name="Shape 78"/>
+          <p:cNvSpPr txBox="1"/>
+          <p:nvPr>
+            <p:ph idx="12" type="sldNum"/>
+          </p:nvPr>
+        </p:nvSpPr>
+        <p:spPr>
+          <a:xfrm>
+            <a:off x="8472457" y="8290163"/>
+            <a:ext cx="548699" cy="699599"/>
+          </a:xfrm>
+          <a:prstGeom prst="rect">
+            <a:avLst/>
+          </a:prstGeom>
+        </p:spPr>
+        <p:txBody>
+          <a:bodyPr anchorCtr="0" anchor="ctr" bIns="91425" lIns="91425" rIns="91425" tIns="91425">
+            <a:noAutofit/>
+          </a:bodyPr>
+          <a:lstStyle/>
+          <a:p>
+            <a:pPr lvl="0">
+              <a:spcBef>
+                <a:spcPts val="0"/>
+              </a:spcBef>
               <a:buNone/>
             </a:pPr>
             <a:fld id="{00000000-1234-1234-1234-123412341234}" type="slidenum">
@@ -5143,7 +5486,7 @@
       </p:sp>
       <p:sp>
         <p:nvSpPr>
-          <p:cNvPr id="78" name="Shape 78"/>
+          <p:cNvPr id="79" name="Shape 79"/>
           <p:cNvSpPr txBox="1"/>
           <p:nvPr>
             <p:ph type="title"/>
@@ -5164,7 +5507,7 @@
           </a:bodyPr>
           <a:lstStyle/>
           <a:p>
-            <a:pPr lvl="0" rtl="0">
+            <a:pPr lvl="0">
               <a:spcBef>
                 <a:spcPts val="0"/>
               </a:spcBef>
@@ -5172,14 +5515,14 @@
             </a:pPr>
             <a:r>
               <a:rPr lang="en"/>
-              <a:t>Material seminari</a:t>
+              <a:t>Trovit (numbers)</a:t>
             </a:r>
           </a:p>
         </p:txBody>
       </p:sp>
       <p:sp>
         <p:nvSpPr>
-          <p:cNvPr id="79" name="Shape 79"/>
+          <p:cNvPr id="80" name="Shape 80"/>
           <p:cNvSpPr txBox="1"/>
           <p:nvPr>
             <p:ph idx="2" type="sldNum"/>
@@ -5200,7 +5543,7 @@
           </a:bodyPr>
           <a:lstStyle/>
           <a:p>
-            <a:pPr lvl="0" rtl="0">
+            <a:pPr lvl="0">
               <a:spcBef>
                 <a:spcPts val="0"/>
               </a:spcBef>
@@ -5229,7 +5572,7 @@
   <p:cSld>
     <p:spTree>
       <p:nvGrpSpPr>
-        <p:cNvPr id="83" name="Shape 83"/>
+        <p:cNvPr id="84" name="Shape 84"/>
         <p:cNvGrpSpPr/>
         <p:nvPr/>
       </p:nvGrpSpPr>
@@ -5243,16 +5586,16 @@
       </p:grpSpPr>
       <p:sp>
         <p:nvSpPr>
-          <p:cNvPr id="84" name="Shape 84"/>
+          <p:cNvPr id="85" name="Shape 85"/>
           <p:cNvSpPr txBox="1"/>
           <p:nvPr>
-            <p:ph idx="1" type="body"/>
+            <p:ph idx="12" type="sldNum"/>
           </p:nvPr>
         </p:nvSpPr>
         <p:spPr>
           <a:xfrm>
-            <a:off x="311700" y="1536633"/>
-            <a:ext cx="8520599" cy="4555199"/>
+            <a:off x="8472457" y="8290163"/>
+            <a:ext cx="548699" cy="699599"/>
           </a:xfrm>
           <a:prstGeom prst="rect">
             <a:avLst/>
@@ -5264,7 +5607,1257 @@
           </a:bodyPr>
           <a:lstStyle/>
           <a:p>
-            <a:pPr indent="-419100" lvl="0" marL="457200" rtl="0">
+            <a:pPr lvl="0">
+              <a:spcBef>
+                <a:spcPts val="0"/>
+              </a:spcBef>
+              <a:buNone/>
+            </a:pPr>
+            <a:fld id="{00000000-1234-1234-1234-123412341234}" type="slidenum">
+              <a:rPr lang="en"/>
+              <a:t>‹#›</a:t>
+            </a:fld>
+          </a:p>
+        </p:txBody>
+      </p:sp>
+      <p:sp>
+        <p:nvSpPr>
+          <p:cNvPr id="86" name="Shape 86"/>
+          <p:cNvSpPr txBox="1"/>
+          <p:nvPr>
+            <p:ph type="title"/>
+          </p:nvPr>
+        </p:nvSpPr>
+        <p:spPr>
+          <a:xfrm>
+            <a:off x="311650" y="123291"/>
+            <a:ext cx="8520599" cy="763500"/>
+          </a:xfrm>
+          <a:prstGeom prst="rect">
+            <a:avLst/>
+          </a:prstGeom>
+        </p:spPr>
+        <p:txBody>
+          <a:bodyPr anchorCtr="0" anchor="t" bIns="91425" lIns="91425" rIns="91425" tIns="91425">
+            <a:noAutofit/>
+          </a:bodyPr>
+          <a:lstStyle/>
+          <a:p>
+            <a:pPr lvl="0">
+              <a:spcBef>
+                <a:spcPts val="0"/>
+              </a:spcBef>
+              <a:buNone/>
+            </a:pPr>
+            <a:r>
+              <a:rPr lang="en"/>
+              <a:t>Trovit (tech)</a:t>
+            </a:r>
+          </a:p>
+        </p:txBody>
+      </p:sp>
+      <p:sp>
+        <p:nvSpPr>
+          <p:cNvPr id="87" name="Shape 87"/>
+          <p:cNvSpPr txBox="1"/>
+          <p:nvPr>
+            <p:ph idx="2" type="sldNum"/>
+          </p:nvPr>
+        </p:nvSpPr>
+        <p:spPr>
+          <a:xfrm>
+            <a:off x="8472457" y="6217622"/>
+            <a:ext cx="548699" cy="524699"/>
+          </a:xfrm>
+          <a:prstGeom prst="rect">
+            <a:avLst/>
+          </a:prstGeom>
+        </p:spPr>
+        <p:txBody>
+          <a:bodyPr anchorCtr="0" anchor="ctr" bIns="91425" lIns="91425" rIns="91425" tIns="91425">
+            <a:noAutofit/>
+          </a:bodyPr>
+          <a:lstStyle/>
+          <a:p>
+            <a:pPr lvl="0">
+              <a:spcBef>
+                <a:spcPts val="0"/>
+              </a:spcBef>
+              <a:buNone/>
+            </a:pPr>
+            <a:fld id="{00000000-1234-1234-1234-123412341234}" type="slidenum">
+              <a:rPr lang="en"/>
+              <a:t>‹#›</a:t>
+            </a:fld>
+          </a:p>
+        </p:txBody>
+      </p:sp>
+      <p:pic>
+        <p:nvPicPr>
+          <p:cNvPr id="88" name="Shape 88"/>
+          <p:cNvPicPr preferRelativeResize="0"/>
+          <p:nvPr/>
+        </p:nvPicPr>
+        <p:blipFill>
+          <a:blip r:embed="rId3">
+            <a:alphaModFix/>
+          </a:blip>
+          <a:stretch>
+            <a:fillRect/>
+          </a:stretch>
+        </p:blipFill>
+        <p:spPr>
+          <a:xfrm>
+            <a:off x="2127702" y="1802875"/>
+            <a:ext cx="815497" cy="948799"/>
+          </a:xfrm>
+          <a:prstGeom prst="rect">
+            <a:avLst/>
+          </a:prstGeom>
+          <a:noFill/>
+          <a:ln>
+            <a:noFill/>
+          </a:ln>
+        </p:spPr>
+      </p:pic>
+      <p:pic>
+        <p:nvPicPr>
+          <p:cNvPr id="89" name="Shape 89"/>
+          <p:cNvPicPr preferRelativeResize="0"/>
+          <p:nvPr/>
+        </p:nvPicPr>
+        <p:blipFill>
+          <a:blip r:embed="rId4">
+            <a:alphaModFix/>
+          </a:blip>
+          <a:stretch>
+            <a:fillRect/>
+          </a:stretch>
+        </p:blipFill>
+        <p:spPr>
+          <a:xfrm>
+            <a:off x="3027637" y="1700722"/>
+            <a:ext cx="1385699" cy="989789"/>
+          </a:xfrm>
+          <a:prstGeom prst="rect">
+            <a:avLst/>
+          </a:prstGeom>
+          <a:noFill/>
+          <a:ln>
+            <a:noFill/>
+          </a:ln>
+        </p:spPr>
+      </p:pic>
+      <p:pic>
+        <p:nvPicPr>
+          <p:cNvPr id="90" name="Shape 90"/>
+          <p:cNvPicPr preferRelativeResize="0"/>
+          <p:nvPr/>
+        </p:nvPicPr>
+        <p:blipFill>
+          <a:blip r:embed="rId5">
+            <a:alphaModFix/>
+          </a:blip>
+          <a:stretch>
+            <a:fillRect/>
+          </a:stretch>
+        </p:blipFill>
+        <p:spPr>
+          <a:xfrm>
+            <a:off x="4539108" y="2964512"/>
+            <a:ext cx="1165279" cy="614699"/>
+          </a:xfrm>
+          <a:prstGeom prst="rect">
+            <a:avLst/>
+          </a:prstGeom>
+          <a:noFill/>
+          <a:ln>
+            <a:noFill/>
+          </a:ln>
+        </p:spPr>
+      </p:pic>
+      <p:pic>
+        <p:nvPicPr>
+          <p:cNvPr id="91" name="Shape 91"/>
+          <p:cNvPicPr preferRelativeResize="0"/>
+          <p:nvPr/>
+        </p:nvPicPr>
+        <p:blipFill>
+          <a:blip r:embed="rId6">
+            <a:alphaModFix/>
+          </a:blip>
+          <a:stretch>
+            <a:fillRect/>
+          </a:stretch>
+        </p:blipFill>
+        <p:spPr>
+          <a:xfrm>
+            <a:off x="4739834" y="1589975"/>
+            <a:ext cx="519890" cy="948799"/>
+          </a:xfrm>
+          <a:prstGeom prst="rect">
+            <a:avLst/>
+          </a:prstGeom>
+          <a:noFill/>
+          <a:ln>
+            <a:noFill/>
+          </a:ln>
+        </p:spPr>
+      </p:pic>
+      <p:pic>
+        <p:nvPicPr>
+          <p:cNvPr id="92" name="Shape 92"/>
+          <p:cNvPicPr preferRelativeResize="0"/>
+          <p:nvPr/>
+        </p:nvPicPr>
+        <p:blipFill>
+          <a:blip r:embed="rId7">
+            <a:alphaModFix/>
+          </a:blip>
+          <a:stretch>
+            <a:fillRect/>
+          </a:stretch>
+        </p:blipFill>
+        <p:spPr>
+          <a:xfrm>
+            <a:off x="6062762" y="3067225"/>
+            <a:ext cx="1023475" cy="514974"/>
+          </a:xfrm>
+          <a:prstGeom prst="rect">
+            <a:avLst/>
+          </a:prstGeom>
+          <a:noFill/>
+          <a:ln>
+            <a:noFill/>
+          </a:ln>
+        </p:spPr>
+      </p:pic>
+      <p:pic>
+        <p:nvPicPr>
+          <p:cNvPr id="93" name="Shape 93"/>
+          <p:cNvPicPr preferRelativeResize="0"/>
+          <p:nvPr/>
+        </p:nvPicPr>
+        <p:blipFill>
+          <a:blip r:embed="rId8">
+            <a:alphaModFix/>
+          </a:blip>
+          <a:stretch>
+            <a:fillRect/>
+          </a:stretch>
+        </p:blipFill>
+        <p:spPr>
+          <a:xfrm>
+            <a:off x="3103850" y="4550225"/>
+            <a:ext cx="1798649" cy="328889"/>
+          </a:xfrm>
+          <a:prstGeom prst="rect">
+            <a:avLst/>
+          </a:prstGeom>
+          <a:noFill/>
+          <a:ln>
+            <a:noFill/>
+          </a:ln>
+        </p:spPr>
+      </p:pic>
+      <p:pic>
+        <p:nvPicPr>
+          <p:cNvPr id="94" name="Shape 94"/>
+          <p:cNvPicPr preferRelativeResize="0"/>
+          <p:nvPr/>
+        </p:nvPicPr>
+        <p:blipFill>
+          <a:blip r:embed="rId9">
+            <a:alphaModFix/>
+          </a:blip>
+          <a:stretch>
+            <a:fillRect/>
+          </a:stretch>
+        </p:blipFill>
+        <p:spPr>
+          <a:xfrm>
+            <a:off x="1289912" y="3528100"/>
+            <a:ext cx="815500" cy="755999"/>
+          </a:xfrm>
+          <a:prstGeom prst="rect">
+            <a:avLst/>
+          </a:prstGeom>
+          <a:noFill/>
+          <a:ln>
+            <a:noFill/>
+          </a:ln>
+        </p:spPr>
+      </p:pic>
+      <p:pic>
+        <p:nvPicPr>
+          <p:cNvPr id="95" name="Shape 95"/>
+          <p:cNvPicPr preferRelativeResize="0"/>
+          <p:nvPr/>
+        </p:nvPicPr>
+        <p:blipFill>
+          <a:blip r:embed="rId10">
+            <a:alphaModFix/>
+          </a:blip>
+          <a:stretch>
+            <a:fillRect/>
+          </a:stretch>
+        </p:blipFill>
+        <p:spPr>
+          <a:xfrm>
+            <a:off x="7015681" y="4474025"/>
+            <a:ext cx="1237181" cy="614700"/>
+          </a:xfrm>
+          <a:prstGeom prst="rect">
+            <a:avLst/>
+          </a:prstGeom>
+          <a:noFill/>
+          <a:ln>
+            <a:noFill/>
+          </a:ln>
+        </p:spPr>
+      </p:pic>
+      <p:pic>
+        <p:nvPicPr>
+          <p:cNvPr id="96" name="Shape 96"/>
+          <p:cNvPicPr preferRelativeResize="0"/>
+          <p:nvPr/>
+        </p:nvPicPr>
+        <p:blipFill>
+          <a:blip r:embed="rId11">
+            <a:alphaModFix/>
+          </a:blip>
+          <a:stretch>
+            <a:fillRect/>
+          </a:stretch>
+        </p:blipFill>
+        <p:spPr>
+          <a:xfrm>
+            <a:off x="388087" y="3406500"/>
+            <a:ext cx="739850" cy="739850"/>
+          </a:xfrm>
+          <a:prstGeom prst="rect">
+            <a:avLst/>
+          </a:prstGeom>
+          <a:noFill/>
+          <a:ln>
+            <a:noFill/>
+          </a:ln>
+        </p:spPr>
+      </p:pic>
+      <p:pic>
+        <p:nvPicPr>
+          <p:cNvPr id="97" name="Shape 97"/>
+          <p:cNvPicPr preferRelativeResize="0"/>
+          <p:nvPr/>
+        </p:nvPicPr>
+        <p:blipFill>
+          <a:blip r:embed="rId12">
+            <a:alphaModFix/>
+          </a:blip>
+          <a:stretch>
+            <a:fillRect/>
+          </a:stretch>
+        </p:blipFill>
+        <p:spPr>
+          <a:xfrm>
+            <a:off x="3407075" y="3256549"/>
+            <a:ext cx="887375" cy="887375"/>
+          </a:xfrm>
+          <a:prstGeom prst="rect">
+            <a:avLst/>
+          </a:prstGeom>
+          <a:noFill/>
+          <a:ln>
+            <a:noFill/>
+          </a:ln>
+        </p:spPr>
+      </p:pic>
+      <p:pic>
+        <p:nvPicPr>
+          <p:cNvPr id="98" name="Shape 98"/>
+          <p:cNvPicPr preferRelativeResize="0"/>
+          <p:nvPr/>
+        </p:nvPicPr>
+        <p:blipFill>
+          <a:blip r:embed="rId13">
+            <a:alphaModFix/>
+          </a:blip>
+          <a:stretch>
+            <a:fillRect/>
+          </a:stretch>
+        </p:blipFill>
+        <p:spPr>
+          <a:xfrm>
+            <a:off x="266162" y="4756924"/>
+            <a:ext cx="739849" cy="978899"/>
+          </a:xfrm>
+          <a:prstGeom prst="rect">
+            <a:avLst/>
+          </a:prstGeom>
+          <a:noFill/>
+          <a:ln>
+            <a:noFill/>
+          </a:ln>
+        </p:spPr>
+      </p:pic>
+      <p:pic>
+        <p:nvPicPr>
+          <p:cNvPr id="99" name="Shape 99"/>
+          <p:cNvPicPr preferRelativeResize="0"/>
+          <p:nvPr/>
+        </p:nvPicPr>
+        <p:blipFill>
+          <a:blip r:embed="rId14">
+            <a:alphaModFix/>
+          </a:blip>
+          <a:stretch>
+            <a:fillRect/>
+          </a:stretch>
+        </p:blipFill>
+        <p:spPr>
+          <a:xfrm>
+            <a:off x="2767303" y="5293962"/>
+            <a:ext cx="1514296" cy="796224"/>
+          </a:xfrm>
+          <a:prstGeom prst="rect">
+            <a:avLst/>
+          </a:prstGeom>
+          <a:noFill/>
+          <a:ln>
+            <a:noFill/>
+          </a:ln>
+        </p:spPr>
+      </p:pic>
+      <p:pic>
+        <p:nvPicPr>
+          <p:cNvPr id="100" name="Shape 100"/>
+          <p:cNvPicPr preferRelativeResize="0"/>
+          <p:nvPr/>
+        </p:nvPicPr>
+        <p:blipFill>
+          <a:blip r:embed="rId15">
+            <a:alphaModFix/>
+          </a:blip>
+          <a:stretch>
+            <a:fillRect/>
+          </a:stretch>
+        </p:blipFill>
+        <p:spPr>
+          <a:xfrm>
+            <a:off x="7452701" y="2723675"/>
+            <a:ext cx="1575586" cy="571150"/>
+          </a:xfrm>
+          <a:prstGeom prst="rect">
+            <a:avLst/>
+          </a:prstGeom>
+          <a:noFill/>
+          <a:ln>
+            <a:noFill/>
+          </a:ln>
+        </p:spPr>
+      </p:pic>
+      <p:pic>
+        <p:nvPicPr>
+          <p:cNvPr id="101" name="Shape 101"/>
+          <p:cNvPicPr preferRelativeResize="0"/>
+          <p:nvPr/>
+        </p:nvPicPr>
+        <p:blipFill>
+          <a:blip r:embed="rId16">
+            <a:alphaModFix/>
+          </a:blip>
+          <a:stretch>
+            <a:fillRect/>
+          </a:stretch>
+        </p:blipFill>
+        <p:spPr>
+          <a:xfrm>
+            <a:off x="8101087" y="5478554"/>
+            <a:ext cx="815500" cy="713570"/>
+          </a:xfrm>
+          <a:prstGeom prst="rect">
+            <a:avLst/>
+          </a:prstGeom>
+          <a:noFill/>
+          <a:ln>
+            <a:noFill/>
+          </a:ln>
+        </p:spPr>
+      </p:pic>
+      <p:pic>
+        <p:nvPicPr>
+          <p:cNvPr id="102" name="Shape 102"/>
+          <p:cNvPicPr preferRelativeResize="0"/>
+          <p:nvPr/>
+        </p:nvPicPr>
+        <p:blipFill>
+          <a:blip r:embed="rId17">
+            <a:alphaModFix/>
+          </a:blip>
+          <a:stretch>
+            <a:fillRect/>
+          </a:stretch>
+        </p:blipFill>
+        <p:spPr>
+          <a:xfrm>
+            <a:off x="4875500" y="4949650"/>
+            <a:ext cx="1860424" cy="460549"/>
+          </a:xfrm>
+          <a:prstGeom prst="rect">
+            <a:avLst/>
+          </a:prstGeom>
+          <a:noFill/>
+          <a:ln>
+            <a:noFill/>
+          </a:ln>
+        </p:spPr>
+      </p:pic>
+      <p:pic>
+        <p:nvPicPr>
+          <p:cNvPr id="103" name="Shape 103"/>
+          <p:cNvPicPr preferRelativeResize="0"/>
+          <p:nvPr/>
+        </p:nvPicPr>
+        <p:blipFill>
+          <a:blip r:embed="rId18">
+            <a:alphaModFix/>
+          </a:blip>
+          <a:stretch>
+            <a:fillRect/>
+          </a:stretch>
+        </p:blipFill>
+        <p:spPr>
+          <a:xfrm>
+            <a:off x="5758037" y="1589965"/>
+            <a:ext cx="1434399" cy="401634"/>
+          </a:xfrm>
+          <a:prstGeom prst="rect">
+            <a:avLst/>
+          </a:prstGeom>
+          <a:noFill/>
+          <a:ln>
+            <a:noFill/>
+          </a:ln>
+        </p:spPr>
+      </p:pic>
+      <p:pic>
+        <p:nvPicPr>
+          <p:cNvPr id="104" name="Shape 104"/>
+          <p:cNvPicPr preferRelativeResize="0"/>
+          <p:nvPr/>
+        </p:nvPicPr>
+        <p:blipFill>
+          <a:blip r:embed="rId19">
+            <a:alphaModFix/>
+          </a:blip>
+          <a:stretch>
+            <a:fillRect/>
+          </a:stretch>
+        </p:blipFill>
+        <p:spPr>
+          <a:xfrm>
+            <a:off x="6236337" y="5735836"/>
+            <a:ext cx="1514300" cy="369688"/>
+          </a:xfrm>
+          <a:prstGeom prst="rect">
+            <a:avLst/>
+          </a:prstGeom>
+          <a:noFill/>
+          <a:ln>
+            <a:noFill/>
+          </a:ln>
+        </p:spPr>
+      </p:pic>
+      <p:pic>
+        <p:nvPicPr>
+          <p:cNvPr id="105" name="Shape 105"/>
+          <p:cNvPicPr preferRelativeResize="0"/>
+          <p:nvPr/>
+        </p:nvPicPr>
+        <p:blipFill>
+          <a:blip r:embed="rId20">
+            <a:alphaModFix/>
+          </a:blip>
+          <a:stretch>
+            <a:fillRect/>
+          </a:stretch>
+        </p:blipFill>
+        <p:spPr>
+          <a:xfrm>
+            <a:off x="431251" y="1702750"/>
+            <a:ext cx="1251661" cy="415074"/>
+          </a:xfrm>
+          <a:prstGeom prst="rect">
+            <a:avLst/>
+          </a:prstGeom>
+          <a:noFill/>
+          <a:ln>
+            <a:noFill/>
+          </a:ln>
+        </p:spPr>
+      </p:pic>
+      <p:pic>
+        <p:nvPicPr>
+          <p:cNvPr id="106" name="Shape 106"/>
+          <p:cNvPicPr preferRelativeResize="0"/>
+          <p:nvPr/>
+        </p:nvPicPr>
+        <p:blipFill>
+          <a:blip r:embed="rId21">
+            <a:alphaModFix/>
+          </a:blip>
+          <a:stretch>
+            <a:fillRect/>
+          </a:stretch>
+        </p:blipFill>
+        <p:spPr>
+          <a:xfrm>
+            <a:off x="8088045" y="1679728"/>
+            <a:ext cx="713592" cy="713575"/>
+          </a:xfrm>
+          <a:prstGeom prst="rect">
+            <a:avLst/>
+          </a:prstGeom>
+          <a:noFill/>
+          <a:ln>
+            <a:noFill/>
+          </a:ln>
+        </p:spPr>
+      </p:pic>
+      <p:pic>
+        <p:nvPicPr>
+          <p:cNvPr id="107" name="Shape 107"/>
+          <p:cNvPicPr preferRelativeResize="0"/>
+          <p:nvPr/>
+        </p:nvPicPr>
+        <p:blipFill>
+          <a:blip r:embed="rId22">
+            <a:alphaModFix/>
+          </a:blip>
+          <a:stretch>
+            <a:fillRect/>
+          </a:stretch>
+        </p:blipFill>
+        <p:spPr>
+          <a:xfrm>
+            <a:off x="1389406" y="5617600"/>
+            <a:ext cx="887356" cy="587874"/>
+          </a:xfrm>
+          <a:prstGeom prst="rect">
+            <a:avLst/>
+          </a:prstGeom>
+          <a:noFill/>
+          <a:ln>
+            <a:noFill/>
+          </a:ln>
+        </p:spPr>
+      </p:pic>
+      <p:pic>
+        <p:nvPicPr>
+          <p:cNvPr id="108" name="Shape 108"/>
+          <p:cNvPicPr preferRelativeResize="0"/>
+          <p:nvPr/>
+        </p:nvPicPr>
+        <p:blipFill>
+          <a:blip r:embed="rId23">
+            <a:alphaModFix/>
+          </a:blip>
+          <a:stretch>
+            <a:fillRect/>
+          </a:stretch>
+        </p:blipFill>
+        <p:spPr>
+          <a:xfrm>
+            <a:off x="4732962" y="5553535"/>
+            <a:ext cx="948800" cy="587889"/>
+          </a:xfrm>
+          <a:prstGeom prst="rect">
+            <a:avLst/>
+          </a:prstGeom>
+          <a:noFill/>
+          <a:ln>
+            <a:noFill/>
+          </a:ln>
+        </p:spPr>
+      </p:pic>
+      <p:pic>
+        <p:nvPicPr>
+          <p:cNvPr id="109" name="Shape 109"/>
+          <p:cNvPicPr preferRelativeResize="0"/>
+          <p:nvPr/>
+        </p:nvPicPr>
+        <p:blipFill>
+          <a:blip r:embed="rId24">
+            <a:alphaModFix/>
+          </a:blip>
+          <a:stretch>
+            <a:fillRect/>
+          </a:stretch>
+        </p:blipFill>
+        <p:spPr>
+          <a:xfrm>
+            <a:off x="7253587" y="3641509"/>
+            <a:ext cx="1434400" cy="665040"/>
+          </a:xfrm>
+          <a:prstGeom prst="rect">
+            <a:avLst/>
+          </a:prstGeom>
+          <a:noFill/>
+          <a:ln>
+            <a:noFill/>
+          </a:ln>
+        </p:spPr>
+      </p:pic>
+      <p:pic>
+        <p:nvPicPr>
+          <p:cNvPr id="110" name="Shape 110"/>
+          <p:cNvPicPr preferRelativeResize="0"/>
+          <p:nvPr/>
+        </p:nvPicPr>
+        <p:blipFill>
+          <a:blip r:embed="rId25">
+            <a:alphaModFix/>
+          </a:blip>
+          <a:stretch>
+            <a:fillRect/>
+          </a:stretch>
+        </p:blipFill>
+        <p:spPr>
+          <a:xfrm>
+            <a:off x="2352011" y="3045450"/>
+            <a:ext cx="667388" cy="614699"/>
+          </a:xfrm>
+          <a:prstGeom prst="rect">
+            <a:avLst/>
+          </a:prstGeom>
+          <a:noFill/>
+          <a:ln>
+            <a:noFill/>
+          </a:ln>
+        </p:spPr>
+      </p:pic>
+      <p:pic>
+        <p:nvPicPr>
+          <p:cNvPr id="111" name="Shape 111"/>
+          <p:cNvPicPr preferRelativeResize="0"/>
+          <p:nvPr/>
+        </p:nvPicPr>
+        <p:blipFill>
+          <a:blip r:embed="rId26">
+            <a:alphaModFix/>
+          </a:blip>
+          <a:stretch>
+            <a:fillRect/>
+          </a:stretch>
+        </p:blipFill>
+        <p:spPr>
+          <a:xfrm>
+            <a:off x="5288237" y="3852525"/>
+            <a:ext cx="969052" cy="713575"/>
+          </a:xfrm>
+          <a:prstGeom prst="rect">
+            <a:avLst/>
+          </a:prstGeom>
+          <a:noFill/>
+          <a:ln>
+            <a:noFill/>
+          </a:ln>
+        </p:spPr>
+      </p:pic>
+      <p:pic>
+        <p:nvPicPr>
+          <p:cNvPr id="112" name="Shape 112"/>
+          <p:cNvPicPr preferRelativeResize="0"/>
+          <p:nvPr/>
+        </p:nvPicPr>
+        <p:blipFill>
+          <a:blip r:embed="rId27">
+            <a:alphaModFix/>
+          </a:blip>
+          <a:stretch>
+            <a:fillRect/>
+          </a:stretch>
+        </p:blipFill>
+        <p:spPr>
+          <a:xfrm>
+            <a:off x="582825" y="2349650"/>
+            <a:ext cx="1165275" cy="825014"/>
+          </a:xfrm>
+          <a:prstGeom prst="rect">
+            <a:avLst/>
+          </a:prstGeom>
+          <a:noFill/>
+          <a:ln>
+            <a:noFill/>
+          </a:ln>
+        </p:spPr>
+      </p:pic>
+      <p:pic>
+        <p:nvPicPr>
+          <p:cNvPr id="113" name="Shape 113"/>
+          <p:cNvPicPr preferRelativeResize="0"/>
+          <p:nvPr/>
+        </p:nvPicPr>
+        <p:blipFill>
+          <a:blip r:embed="rId28">
+            <a:alphaModFix/>
+          </a:blip>
+          <a:stretch>
+            <a:fillRect/>
+          </a:stretch>
+        </p:blipFill>
+        <p:spPr>
+          <a:xfrm>
+            <a:off x="1218087" y="4622900"/>
+            <a:ext cx="1287299" cy="665049"/>
+          </a:xfrm>
+          <a:prstGeom prst="rect">
+            <a:avLst/>
+          </a:prstGeom>
+          <a:noFill/>
+          <a:ln>
+            <a:noFill/>
+          </a:ln>
+        </p:spPr>
+      </p:pic>
+      <p:pic>
+        <p:nvPicPr>
+          <p:cNvPr id="114" name="Shape 114"/>
+          <p:cNvPicPr preferRelativeResize="0"/>
+          <p:nvPr/>
+        </p:nvPicPr>
+        <p:blipFill>
+          <a:blip r:embed="rId29">
+            <a:alphaModFix/>
+          </a:blip>
+          <a:stretch>
+            <a:fillRect/>
+          </a:stretch>
+        </p:blipFill>
+        <p:spPr>
+          <a:xfrm>
+            <a:off x="2470702" y="3820150"/>
+            <a:ext cx="548699" cy="1025035"/>
+          </a:xfrm>
+          <a:prstGeom prst="rect">
+            <a:avLst/>
+          </a:prstGeom>
+          <a:noFill/>
+          <a:ln>
+            <a:noFill/>
+          </a:ln>
+        </p:spPr>
+      </p:pic>
+      <p:pic>
+        <p:nvPicPr>
+          <p:cNvPr id="115" name="Shape 115"/>
+          <p:cNvPicPr preferRelativeResize="0"/>
+          <p:nvPr/>
+        </p:nvPicPr>
+        <p:blipFill>
+          <a:blip r:embed="rId30">
+            <a:alphaModFix/>
+          </a:blip>
+          <a:stretch>
+            <a:fillRect/>
+          </a:stretch>
+        </p:blipFill>
+        <p:spPr>
+          <a:xfrm>
+            <a:off x="6162152" y="2002810"/>
+            <a:ext cx="1023474" cy="701332"/>
+          </a:xfrm>
+          <a:prstGeom prst="rect">
+            <a:avLst/>
+          </a:prstGeom>
+          <a:noFill/>
+          <a:ln>
+            <a:noFill/>
+          </a:ln>
+        </p:spPr>
+      </p:pic>
+    </p:spTree>
+  </p:cSld>
+  <p:clrMapOvr>
+    <a:masterClrMapping/>
+  </p:clrMapOvr>
+  <p:transition spd="slow">
+    <p:cut/>
+  </p:transition>
+</p:sld>
+</file>
+
+<file path=ppt/slides/slide4.xml><?xml version="1.0" encoding="utf-8"?>
+<p:sld xmlns:a="http://schemas.openxmlformats.org/drawingml/2006/main" xmlns:r="http://schemas.openxmlformats.org/officeDocument/2006/relationships" xmlns:mc="http://schemas.openxmlformats.org/markup-compatibility/2006" xmlns:mv="urn:schemas-microsoft-com:mac:vml" xmlns:p="http://schemas.openxmlformats.org/presentationml/2006/main" xmlns:c="http://schemas.openxmlformats.org/drawingml/2006/chart" xmlns:dgm="http://schemas.openxmlformats.org/drawingml/2006/diagram" xmlns:o="urn:schemas-microsoft-com:office:office" xmlns:v="urn:schemas-microsoft-com:vml" xmlns:pvml="urn:schemas-microsoft-com:office:powerpoint" xmlns:com="http://schemas.openxmlformats.org/drawingml/2006/compatibility" xmlns:p14="http://schemas.microsoft.com/office/powerpoint/2010/main">
+  <p:cSld>
+    <p:spTree>
+      <p:nvGrpSpPr>
+        <p:cNvPr id="119" name="Shape 119"/>
+        <p:cNvGrpSpPr/>
+        <p:nvPr/>
+      </p:nvGrpSpPr>
+      <p:grpSpPr>
+        <a:xfrm>
+          <a:off x="0" y="0"/>
+          <a:ext cx="0" cy="0"/>
+          <a:chOff x="0" y="0"/>
+          <a:chExt cx="0" cy="0"/>
+        </a:xfrm>
+      </p:grpSpPr>
+      <p:sp>
+        <p:nvSpPr>
+          <p:cNvPr id="120" name="Shape 120"/>
+          <p:cNvSpPr txBox="1"/>
+          <p:nvPr>
+            <p:ph idx="12" type="sldNum"/>
+          </p:nvPr>
+        </p:nvSpPr>
+        <p:spPr>
+          <a:xfrm>
+            <a:off x="8472457" y="8290163"/>
+            <a:ext cx="548699" cy="699599"/>
+          </a:xfrm>
+          <a:prstGeom prst="rect">
+            <a:avLst/>
+          </a:prstGeom>
+        </p:spPr>
+        <p:txBody>
+          <a:bodyPr anchorCtr="0" anchor="ctr" bIns="91425" lIns="91425" rIns="91425" tIns="91425">
+            <a:noAutofit/>
+          </a:bodyPr>
+          <a:lstStyle/>
+          <a:p>
+            <a:pPr lvl="0">
+              <a:spcBef>
+                <a:spcPts val="0"/>
+              </a:spcBef>
+              <a:buNone/>
+            </a:pPr>
+            <a:fld id="{00000000-1234-1234-1234-123412341234}" type="slidenum">
+              <a:rPr lang="en"/>
+              <a:t>‹#›</a:t>
+            </a:fld>
+          </a:p>
+        </p:txBody>
+      </p:sp>
+      <p:sp>
+        <p:nvSpPr>
+          <p:cNvPr id="121" name="Shape 121"/>
+          <p:cNvSpPr txBox="1"/>
+          <p:nvPr>
+            <p:ph type="title"/>
+          </p:nvPr>
+        </p:nvSpPr>
+        <p:spPr>
+          <a:xfrm>
+            <a:off x="311650" y="123291"/>
+            <a:ext cx="8520599" cy="763500"/>
+          </a:xfrm>
+          <a:prstGeom prst="rect">
+            <a:avLst/>
+          </a:prstGeom>
+        </p:spPr>
+        <p:txBody>
+          <a:bodyPr anchorCtr="0" anchor="t" bIns="91425" lIns="91425" rIns="91425" tIns="91425">
+            <a:noAutofit/>
+          </a:bodyPr>
+          <a:lstStyle/>
+          <a:p>
+            <a:pPr lvl="0">
+              <a:spcBef>
+                <a:spcPts val="0"/>
+              </a:spcBef>
+              <a:buNone/>
+            </a:pPr>
+            <a:r>
+              <a:rPr lang="en"/>
+              <a:t>Trovit (positions)</a:t>
+            </a:r>
+          </a:p>
+        </p:txBody>
+      </p:sp>
+      <p:sp>
+        <p:nvSpPr>
+          <p:cNvPr id="122" name="Shape 122"/>
+          <p:cNvSpPr txBox="1"/>
+          <p:nvPr>
+            <p:ph idx="2" type="sldNum"/>
+          </p:nvPr>
+        </p:nvSpPr>
+        <p:spPr>
+          <a:xfrm>
+            <a:off x="8472457" y="6217622"/>
+            <a:ext cx="548699" cy="524699"/>
+          </a:xfrm>
+          <a:prstGeom prst="rect">
+            <a:avLst/>
+          </a:prstGeom>
+        </p:spPr>
+        <p:txBody>
+          <a:bodyPr anchorCtr="0" anchor="ctr" bIns="91425" lIns="91425" rIns="91425" tIns="91425">
+            <a:noAutofit/>
+          </a:bodyPr>
+          <a:lstStyle/>
+          <a:p>
+            <a:pPr lvl="0">
+              <a:spcBef>
+                <a:spcPts val="0"/>
+              </a:spcBef>
+              <a:buNone/>
+            </a:pPr>
+            <a:fld id="{00000000-1234-1234-1234-123412341234}" type="slidenum">
+              <a:rPr lang="en"/>
+              <a:t>‹#›</a:t>
+            </a:fld>
+          </a:p>
+        </p:txBody>
+      </p:sp>
+      <p:sp>
+        <p:nvSpPr>
+          <p:cNvPr id="123" name="Shape 123"/>
+          <p:cNvSpPr txBox="1"/>
+          <p:nvPr>
+            <p:ph idx="1" type="body"/>
+          </p:nvPr>
+        </p:nvSpPr>
+        <p:spPr>
+          <a:xfrm>
+            <a:off x="311700" y="1308024"/>
+            <a:ext cx="8520599" cy="4609199"/>
+          </a:xfrm>
+          <a:prstGeom prst="rect">
+            <a:avLst/>
+          </a:prstGeom>
+        </p:spPr>
+        <p:txBody>
+          <a:bodyPr anchorCtr="0" anchor="ctr" bIns="91425" lIns="91425" rIns="91425" tIns="91425">
+            <a:noAutofit/>
+          </a:bodyPr>
+          <a:lstStyle/>
+          <a:p>
+            <a:pPr lvl="0" rtl="0">
+              <a:spcBef>
+                <a:spcPts val="0"/>
+              </a:spcBef>
+              <a:buClr>
+                <a:schemeClr val="dk1"/>
+              </a:buClr>
+              <a:buSzPct val="45833"/>
+              <a:buFont typeface="Arial"/>
+              <a:buNone/>
+            </a:pPr>
+            <a:r>
+              <a:rPr lang="en" sz="2400"/>
+              <a:t>Big Data Engineer </a:t>
+            </a:r>
+          </a:p>
+          <a:p>
+            <a:pPr lvl="0" rtl="0">
+              <a:spcBef>
+                <a:spcPts val="0"/>
+              </a:spcBef>
+              <a:buClr>
+                <a:schemeClr val="dk1"/>
+              </a:buClr>
+              <a:buSzPct val="45833"/>
+              <a:buFont typeface="Arial"/>
+              <a:buNone/>
+            </a:pPr>
+            <a:r>
+              <a:rPr lang="en" sz="2400"/>
+              <a:t>Java Developer </a:t>
+            </a:r>
+          </a:p>
+          <a:p>
+            <a:pPr lvl="0" rtl="0">
+              <a:spcBef>
+                <a:spcPts val="0"/>
+              </a:spcBef>
+              <a:buClr>
+                <a:schemeClr val="dk1"/>
+              </a:buClr>
+              <a:buSzPct val="45833"/>
+              <a:buFont typeface="Arial"/>
+              <a:buNone/>
+            </a:pPr>
+            <a:r>
+              <a:rPr lang="en" sz="2400"/>
+              <a:t>Junior PHP - Crawling specialist </a:t>
+            </a:r>
+          </a:p>
+          <a:p>
+            <a:pPr lvl="0" rtl="0">
+              <a:spcBef>
+                <a:spcPts val="0"/>
+              </a:spcBef>
+              <a:buClr>
+                <a:schemeClr val="dk1"/>
+              </a:buClr>
+              <a:buSzPct val="45833"/>
+              <a:buFont typeface="Arial"/>
+              <a:buNone/>
+            </a:pPr>
+            <a:r>
+              <a:rPr lang="en" sz="2400"/>
+              <a:t>Junior PHP Developer </a:t>
+            </a:r>
+          </a:p>
+          <a:p>
+            <a:pPr lvl="0" rtl="0">
+              <a:spcBef>
+                <a:spcPts val="0"/>
+              </a:spcBef>
+              <a:buClr>
+                <a:schemeClr val="dk1"/>
+              </a:buClr>
+              <a:buSzPct val="45833"/>
+              <a:buFont typeface="Arial"/>
+              <a:buNone/>
+            </a:pPr>
+            <a:r>
+              <a:rPr lang="en" sz="2400"/>
+              <a:t>PHP Software Engineer </a:t>
+            </a:r>
+          </a:p>
+          <a:p>
+            <a:pPr lvl="0" rtl="0">
+              <a:spcBef>
+                <a:spcPts val="0"/>
+              </a:spcBef>
+              <a:buClr>
+                <a:schemeClr val="dk1"/>
+              </a:buClr>
+              <a:buSzPct val="45833"/>
+              <a:buFont typeface="Arial"/>
+              <a:buNone/>
+            </a:pPr>
+            <a:r>
+              <a:rPr lang="en" sz="2400"/>
+              <a:t>Senior Java Developer </a:t>
+            </a:r>
+          </a:p>
+          <a:p>
+            <a:pPr lvl="0">
+              <a:spcBef>
+                <a:spcPts val="0"/>
+              </a:spcBef>
+              <a:buNone/>
+            </a:pPr>
+            <a:r>
+              <a:rPr lang="en" sz="2400"/>
+              <a:t>Senior PHP Developer </a:t>
+            </a:r>
+          </a:p>
+        </p:txBody>
+      </p:sp>
+      <p:sp>
+        <p:nvSpPr>
+          <p:cNvPr id="124" name="Shape 124"/>
+          <p:cNvSpPr txBox="1"/>
+          <p:nvPr/>
+        </p:nvSpPr>
+        <p:spPr>
+          <a:xfrm>
+            <a:off x="2040850" y="5865900"/>
+            <a:ext cx="5062199" cy="524699"/>
+          </a:xfrm>
+          <a:prstGeom prst="rect">
+            <a:avLst/>
+          </a:prstGeom>
+          <a:noFill/>
+          <a:ln>
+            <a:noFill/>
+          </a:ln>
+        </p:spPr>
+        <p:txBody>
+          <a:bodyPr anchorCtr="0" anchor="ctr" bIns="91425" lIns="91425" rIns="91425" tIns="91425">
+            <a:noAutofit/>
+          </a:bodyPr>
+          <a:lstStyle/>
+          <a:p>
+            <a:pPr lvl="0" rtl="0" algn="ctr">
+              <a:spcBef>
+                <a:spcPts val="0"/>
+              </a:spcBef>
+              <a:buNone/>
+            </a:pPr>
+            <a:r>
+              <a:rPr lang="en" sz="2400" u="sng">
+                <a:solidFill>
+                  <a:schemeClr val="hlink"/>
+                </a:solidFill>
+                <a:latin typeface="Open Sans"/>
+                <a:ea typeface="Open Sans"/>
+                <a:cs typeface="Open Sans"/>
+                <a:sym typeface="Open Sans"/>
+                <a:hlinkClick r:id="rId3"/>
+              </a:rPr>
+              <a:t>http://careers.trovit.com/</a:t>
+            </a:r>
+            <a:r>
+              <a:rPr lang="en" sz="2400">
+                <a:latin typeface="Open Sans"/>
+                <a:ea typeface="Open Sans"/>
+                <a:cs typeface="Open Sans"/>
+                <a:sym typeface="Open Sans"/>
+              </a:rPr>
+              <a:t> </a:t>
+            </a:r>
+          </a:p>
+        </p:txBody>
+      </p:sp>
+    </p:spTree>
+  </p:cSld>
+  <p:clrMapOvr>
+    <a:masterClrMapping/>
+  </p:clrMapOvr>
+  <p:transition spd="slow">
+    <p:cut/>
+  </p:transition>
+</p:sld>
+</file>
+
+<file path=ppt/slides/slide5.xml><?xml version="1.0" encoding="utf-8"?>
+<p:sld xmlns:a="http://schemas.openxmlformats.org/drawingml/2006/main" xmlns:r="http://schemas.openxmlformats.org/officeDocument/2006/relationships" xmlns:mc="http://schemas.openxmlformats.org/markup-compatibility/2006" xmlns:mv="urn:schemas-microsoft-com:mac:vml" xmlns:p="http://schemas.openxmlformats.org/presentationml/2006/main" xmlns:c="http://schemas.openxmlformats.org/drawingml/2006/chart" xmlns:dgm="http://schemas.openxmlformats.org/drawingml/2006/diagram" xmlns:o="urn:schemas-microsoft-com:office:office" xmlns:v="urn:schemas-microsoft-com:vml" xmlns:pvml="urn:schemas-microsoft-com:office:powerpoint" xmlns:com="http://schemas.openxmlformats.org/drawingml/2006/compatibility" xmlns:p14="http://schemas.microsoft.com/office/powerpoint/2010/main">
+  <p:cSld>
+    <p:spTree>
+      <p:nvGrpSpPr>
+        <p:cNvPr id="128" name="Shape 128"/>
+        <p:cNvGrpSpPr/>
+        <p:nvPr/>
+      </p:nvGrpSpPr>
+      <p:grpSpPr>
+        <a:xfrm>
+          <a:off x="0" y="0"/>
+          <a:ext cx="0" cy="0"/>
+          <a:chOff x="0" y="0"/>
+          <a:chExt cx="0" cy="0"/>
+        </a:xfrm>
+      </p:grpSpPr>
+      <p:sp>
+        <p:nvSpPr>
+          <p:cNvPr id="129" name="Shape 129"/>
+          <p:cNvSpPr txBox="1"/>
+          <p:nvPr>
+            <p:ph idx="1" type="body"/>
+          </p:nvPr>
+        </p:nvSpPr>
+        <p:spPr>
+          <a:xfrm>
+            <a:off x="311700" y="1536633"/>
+            <a:ext cx="8520599" cy="4555199"/>
+          </a:xfrm>
+          <a:prstGeom prst="rect">
+            <a:avLst/>
+          </a:prstGeom>
+        </p:spPr>
+        <p:txBody>
+          <a:bodyPr anchorCtr="0" anchor="ctr" bIns="91425" lIns="91425" rIns="91425" tIns="91425">
+            <a:noAutofit/>
+          </a:bodyPr>
+          <a:lstStyle/>
+          <a:p>
+            <a:pPr lvl="0" rtl="0" algn="ctr">
               <a:lnSpc>
                 <a:spcPct val="150000"/>
               </a:lnSpc>
@@ -5274,10 +6867,224 @@
               <a:spcAft>
                 <a:spcPts val="0"/>
               </a:spcAft>
-              <a:buSzPct val="100000"/>
+              <a:buNone/>
             </a:pPr>
             <a:r>
-              <a:rPr lang="en" sz="3000"/>
+              <a:rPr lang="en" sz="2400" u="sng">
+                <a:solidFill>
+                  <a:schemeClr val="hlink"/>
+                </a:solidFill>
+                <a:hlinkClick r:id="rId3"/>
+              </a:rPr>
+              <a:t>http://bit.ly/trovitseminarifib2016</a:t>
+            </a:r>
+            <a:r>
+              <a:rPr lang="en" sz="2400"/>
+              <a:t> </a:t>
+            </a:r>
+          </a:p>
+          <a:p>
+            <a:pPr lvl="0" rtl="0" algn="ctr">
+              <a:lnSpc>
+                <a:spcPct val="150000"/>
+              </a:lnSpc>
+              <a:spcBef>
+                <a:spcPts val="0"/>
+              </a:spcBef>
+              <a:spcAft>
+                <a:spcPts val="0"/>
+              </a:spcAft>
+              <a:buNone/>
+            </a:pPr>
+            <a:r>
+              <a:rPr lang="en" sz="2400" u="sng">
+                <a:solidFill>
+                  <a:schemeClr val="hlink"/>
+                </a:solidFill>
+                <a:hlinkClick r:id="rId4"/>
+              </a:rPr>
+              <a:t>https://github.com/nmaletm/seminari-fib-2016</a:t>
+            </a:r>
+            <a:r>
+              <a:rPr lang="en" sz="2400"/>
+              <a:t> </a:t>
+            </a:r>
+          </a:p>
+        </p:txBody>
+      </p:sp>
+      <p:sp>
+        <p:nvSpPr>
+          <p:cNvPr id="130" name="Shape 130"/>
+          <p:cNvSpPr txBox="1"/>
+          <p:nvPr>
+            <p:ph idx="12" type="sldNum"/>
+          </p:nvPr>
+        </p:nvSpPr>
+        <p:spPr>
+          <a:xfrm>
+            <a:off x="8472457" y="8290163"/>
+            <a:ext cx="548699" cy="699599"/>
+          </a:xfrm>
+          <a:prstGeom prst="rect">
+            <a:avLst/>
+          </a:prstGeom>
+        </p:spPr>
+        <p:txBody>
+          <a:bodyPr anchorCtr="0" anchor="ctr" bIns="91425" lIns="91425" rIns="91425" tIns="91425">
+            <a:noAutofit/>
+          </a:bodyPr>
+          <a:lstStyle/>
+          <a:p>
+            <a:pPr lvl="0" rtl="0">
+              <a:spcBef>
+                <a:spcPts val="0"/>
+              </a:spcBef>
+              <a:buNone/>
+            </a:pPr>
+            <a:fld id="{00000000-1234-1234-1234-123412341234}" type="slidenum">
+              <a:rPr lang="en"/>
+              <a:t>‹#›</a:t>
+            </a:fld>
+          </a:p>
+        </p:txBody>
+      </p:sp>
+      <p:sp>
+        <p:nvSpPr>
+          <p:cNvPr id="131" name="Shape 131"/>
+          <p:cNvSpPr txBox="1"/>
+          <p:nvPr>
+            <p:ph type="title"/>
+          </p:nvPr>
+        </p:nvSpPr>
+        <p:spPr>
+          <a:xfrm>
+            <a:off x="311650" y="123291"/>
+            <a:ext cx="8520599" cy="763500"/>
+          </a:xfrm>
+          <a:prstGeom prst="rect">
+            <a:avLst/>
+          </a:prstGeom>
+        </p:spPr>
+        <p:txBody>
+          <a:bodyPr anchorCtr="0" anchor="t" bIns="91425" lIns="91425" rIns="91425" tIns="91425">
+            <a:noAutofit/>
+          </a:bodyPr>
+          <a:lstStyle/>
+          <a:p>
+            <a:pPr lvl="0" rtl="0">
+              <a:spcBef>
+                <a:spcPts val="0"/>
+              </a:spcBef>
+              <a:buNone/>
+            </a:pPr>
+            <a:r>
+              <a:rPr lang="en"/>
+              <a:t>Material seminari</a:t>
+            </a:r>
+          </a:p>
+        </p:txBody>
+      </p:sp>
+      <p:sp>
+        <p:nvSpPr>
+          <p:cNvPr id="132" name="Shape 132"/>
+          <p:cNvSpPr txBox="1"/>
+          <p:nvPr>
+            <p:ph idx="2" type="sldNum"/>
+          </p:nvPr>
+        </p:nvSpPr>
+        <p:spPr>
+          <a:xfrm>
+            <a:off x="8472457" y="6217622"/>
+            <a:ext cx="548699" cy="524699"/>
+          </a:xfrm>
+          <a:prstGeom prst="rect">
+            <a:avLst/>
+          </a:prstGeom>
+        </p:spPr>
+        <p:txBody>
+          <a:bodyPr anchorCtr="0" anchor="ctr" bIns="91425" lIns="91425" rIns="91425" tIns="91425">
+            <a:noAutofit/>
+          </a:bodyPr>
+          <a:lstStyle/>
+          <a:p>
+            <a:pPr lvl="0" rtl="0">
+              <a:spcBef>
+                <a:spcPts val="0"/>
+              </a:spcBef>
+              <a:buNone/>
+            </a:pPr>
+            <a:fld id="{00000000-1234-1234-1234-123412341234}" type="slidenum">
+              <a:rPr lang="en"/>
+              <a:t>‹#›</a:t>
+            </a:fld>
+          </a:p>
+        </p:txBody>
+      </p:sp>
+    </p:spTree>
+  </p:cSld>
+  <p:clrMapOvr>
+    <a:masterClrMapping/>
+  </p:clrMapOvr>
+  <p:transition spd="slow">
+    <p:cut/>
+  </p:transition>
+</p:sld>
+</file>
+
+<file path=ppt/slides/slide6.xml><?xml version="1.0" encoding="utf-8"?>
+<p:sld xmlns:a="http://schemas.openxmlformats.org/drawingml/2006/main" xmlns:r="http://schemas.openxmlformats.org/officeDocument/2006/relationships" xmlns:mc="http://schemas.openxmlformats.org/markup-compatibility/2006" xmlns:mv="urn:schemas-microsoft-com:mac:vml" xmlns:p="http://schemas.openxmlformats.org/presentationml/2006/main" xmlns:c="http://schemas.openxmlformats.org/drawingml/2006/chart" xmlns:dgm="http://schemas.openxmlformats.org/drawingml/2006/diagram" xmlns:o="urn:schemas-microsoft-com:office:office" xmlns:v="urn:schemas-microsoft-com:vml" xmlns:pvml="urn:schemas-microsoft-com:office:powerpoint" xmlns:com="http://schemas.openxmlformats.org/drawingml/2006/compatibility" xmlns:p14="http://schemas.microsoft.com/office/powerpoint/2010/main">
+  <p:cSld>
+    <p:spTree>
+      <p:nvGrpSpPr>
+        <p:cNvPr id="136" name="Shape 136"/>
+        <p:cNvGrpSpPr/>
+        <p:nvPr/>
+      </p:nvGrpSpPr>
+      <p:grpSpPr>
+        <a:xfrm>
+          <a:off x="0" y="0"/>
+          <a:ext cx="0" cy="0"/>
+          <a:chOff x="0" y="0"/>
+          <a:chExt cx="0" cy="0"/>
+        </a:xfrm>
+      </p:grpSpPr>
+      <p:sp>
+        <p:nvSpPr>
+          <p:cNvPr id="137" name="Shape 137"/>
+          <p:cNvSpPr txBox="1"/>
+          <p:nvPr>
+            <p:ph idx="1" type="body"/>
+          </p:nvPr>
+        </p:nvSpPr>
+        <p:spPr>
+          <a:xfrm>
+            <a:off x="311700" y="1536633"/>
+            <a:ext cx="8520599" cy="4555199"/>
+          </a:xfrm>
+          <a:prstGeom prst="rect">
+            <a:avLst/>
+          </a:prstGeom>
+        </p:spPr>
+        <p:txBody>
+          <a:bodyPr anchorCtr="0" anchor="ctr" bIns="91425" lIns="91425" rIns="91425" tIns="91425">
+            <a:noAutofit/>
+          </a:bodyPr>
+          <a:lstStyle/>
+          <a:p>
+            <a:pPr lvl="0" rtl="0">
+              <a:lnSpc>
+                <a:spcPct val="150000"/>
+              </a:lnSpc>
+              <a:spcBef>
+                <a:spcPts val="0"/>
+              </a:spcBef>
+              <a:spcAft>
+                <a:spcPts val="0"/>
+              </a:spcAft>
+              <a:buNone/>
+            </a:pPr>
+            <a:r>
+              <a:rPr b="1" lang="en" sz="3000"/>
               <a:t>Divendres 05/02/2016</a:t>
             </a:r>
           </a:p>
@@ -5300,7 +7107,7 @@
             <a:endParaRPr sz="3000"/>
           </a:p>
           <a:p>
-            <a:pPr indent="-419100" lvl="0" marL="457200" rtl="0">
+            <a:pPr lvl="0" rtl="0">
               <a:lnSpc>
                 <a:spcPct val="150000"/>
               </a:lnSpc>
@@ -5310,7 +7117,7 @@
               <a:spcAft>
                 <a:spcPts val="0"/>
               </a:spcAft>
-              <a:buSzPct val="100000"/>
+              <a:buNone/>
             </a:pPr>
             <a:r>
               <a:rPr lang="en" sz="3000">
@@ -5337,6 +7144,20 @@
               <a:rPr lang="en" sz="3000"/>
               <a:t> </a:t>
             </a:r>
+          </a:p>
+          <a:p>
+            <a:pPr lvl="0" rtl="0">
+              <a:lnSpc>
+                <a:spcPct val="150000"/>
+              </a:lnSpc>
+              <a:spcBef>
+                <a:spcPts val="0"/>
+              </a:spcBef>
+              <a:spcAft>
+                <a:spcPts val="0"/>
+              </a:spcAft>
+              <a:buNone/>
+            </a:pPr>
             <a:r>
               <a:rPr i="1" lang="en"/>
               <a:t>(assegurar-se que podem accedir)</a:t>
@@ -5346,7 +7167,7 @@
       </p:sp>
       <p:sp>
         <p:nvSpPr>
-          <p:cNvPr id="85" name="Shape 85"/>
+          <p:cNvPr id="138" name="Shape 138"/>
           <p:cNvSpPr txBox="1"/>
           <p:nvPr>
             <p:ph idx="12" type="sldNum"/>
@@ -5382,7 +7203,7 @@
       </p:sp>
       <p:sp>
         <p:nvSpPr>
-          <p:cNvPr id="86" name="Shape 86"/>
+          <p:cNvPr id="139" name="Shape 139"/>
           <p:cNvSpPr txBox="1"/>
           <p:nvPr>
             <p:ph type="title"/>
@@ -5418,7 +7239,7 @@
       </p:sp>
       <p:sp>
         <p:nvSpPr>
-          <p:cNvPr id="87" name="Shape 87"/>
+          <p:cNvPr id="140" name="Shape 140"/>
           <p:cNvSpPr txBox="1"/>
           <p:nvPr>
             <p:ph idx="2" type="sldNum"/>
@@ -5463,12 +7284,12 @@
 </p:sld>
 </file>
 
-<file path=ppt/slides/slide4.xml><?xml version="1.0" encoding="utf-8"?>
+<file path=ppt/slides/slide7.xml><?xml version="1.0" encoding="utf-8"?>
 <p:sld xmlns:a="http://schemas.openxmlformats.org/drawingml/2006/main" xmlns:r="http://schemas.openxmlformats.org/officeDocument/2006/relationships" xmlns:mc="http://schemas.openxmlformats.org/markup-compatibility/2006" xmlns:mv="urn:schemas-microsoft-com:mac:vml" xmlns:p="http://schemas.openxmlformats.org/presentationml/2006/main" xmlns:c="http://schemas.openxmlformats.org/drawingml/2006/chart" xmlns:dgm="http://schemas.openxmlformats.org/drawingml/2006/diagram" xmlns:o="urn:schemas-microsoft-com:office:office" xmlns:v="urn:schemas-microsoft-com:vml" xmlns:pvml="urn:schemas-microsoft-com:office:powerpoint" xmlns:com="http://schemas.openxmlformats.org/drawingml/2006/compatibility" xmlns:p14="http://schemas.microsoft.com/office/powerpoint/2010/main">
   <p:cSld>
     <p:spTree>
       <p:nvGrpSpPr>
-        <p:cNvPr id="91" name="Shape 91"/>
+        <p:cNvPr id="144" name="Shape 144"/>
         <p:cNvGrpSpPr/>
         <p:nvPr/>
       </p:nvGrpSpPr>
@@ -5482,7 +7303,7 @@
       </p:grpSpPr>
       <p:sp>
         <p:nvSpPr>
-          <p:cNvPr id="92" name="Shape 92"/>
+          <p:cNvPr id="145" name="Shape 145"/>
           <p:cNvSpPr txBox="1"/>
           <p:nvPr>
             <p:ph idx="1" type="body"/>
@@ -5601,7 +7422,7 @@
       </p:sp>
       <p:sp>
         <p:nvSpPr>
-          <p:cNvPr id="93" name="Shape 93"/>
+          <p:cNvPr id="146" name="Shape 146"/>
           <p:cNvSpPr txBox="1"/>
           <p:nvPr>
             <p:ph idx="12" type="sldNum"/>
@@ -5637,7 +7458,7 @@
       </p:sp>
       <p:sp>
         <p:nvSpPr>
-          <p:cNvPr id="94" name="Shape 94"/>
+          <p:cNvPr id="147" name="Shape 147"/>
           <p:cNvSpPr txBox="1"/>
           <p:nvPr>
             <p:ph type="title"/>
@@ -5673,7 +7494,7 @@
       </p:sp>
       <p:sp>
         <p:nvSpPr>
-          <p:cNvPr id="95" name="Shape 95"/>
+          <p:cNvPr id="148" name="Shape 148"/>
           <p:cNvSpPr txBox="1"/>
           <p:nvPr>
             <p:ph idx="2" type="sldNum"/>
@@ -5709,10 +7530,10 @@
       </p:sp>
       <p:sp>
         <p:nvSpPr>
-          <p:cNvPr id="96" name="Shape 96"/>
+          <p:cNvPr id="149" name="Shape 149"/>
           <p:cNvSpPr txBox="1"/>
           <p:nvPr>
-            <p:ph idx="3" type="body"/>
+            <p:ph idx="1" type="body"/>
           </p:nvPr>
         </p:nvSpPr>
         <p:spPr>
@@ -5828,7 +7649,7 @@
       </p:sp>
       <p:pic>
         <p:nvPicPr>
-          <p:cNvPr id="97" name="Shape 97"/>
+          <p:cNvPr id="150" name="Shape 150"/>
           <p:cNvPicPr preferRelativeResize="0"/>
           <p:nvPr/>
         </p:nvPicPr>
@@ -5856,7 +7677,7 @@
       </p:pic>
       <p:pic>
         <p:nvPicPr>
-          <p:cNvPr id="98" name="Shape 98"/>
+          <p:cNvPr id="151" name="Shape 151"/>
           <p:cNvPicPr preferRelativeResize="0"/>
           <p:nvPr/>
         </p:nvPicPr>
@@ -5893,7 +7714,7 @@
 </p:sld>
 </file>
 
-<file path=ppt/slides/slide5.xml><?xml version="1.0" encoding="utf-8"?>
+<file path=ppt/slides/slide8.xml><?xml version="1.0" encoding="utf-8"?>
 <p:sld xmlns:a="http://schemas.openxmlformats.org/drawingml/2006/main" xmlns:r="http://schemas.openxmlformats.org/officeDocument/2006/relationships" xmlns:mc="http://schemas.openxmlformats.org/markup-compatibility/2006" xmlns:mv="urn:schemas-microsoft-com:mac:vml" xmlns:p="http://schemas.openxmlformats.org/presentationml/2006/main" xmlns:c="http://schemas.openxmlformats.org/drawingml/2006/chart" xmlns:dgm="http://schemas.openxmlformats.org/drawingml/2006/diagram" xmlns:o="urn:schemas-microsoft-com:office:office" xmlns:v="urn:schemas-microsoft-com:vml" xmlns:pvml="urn:schemas-microsoft-com:office:powerpoint" xmlns:com="http://schemas.openxmlformats.org/drawingml/2006/compatibility" xmlns:p14="http://schemas.microsoft.com/office/powerpoint/2010/main">
   <p:cSld>
     <p:bg>
@@ -5905,7 +7726,7 @@
     </p:bg>
     <p:spTree>
       <p:nvGrpSpPr>
-        <p:cNvPr id="102" name="Shape 102"/>
+        <p:cNvPr id="155" name="Shape 155"/>
         <p:cNvGrpSpPr/>
         <p:nvPr/>
       </p:nvGrpSpPr>
@@ -5919,7 +7740,7 @@
       </p:grpSpPr>
       <p:sp>
         <p:nvSpPr>
-          <p:cNvPr id="103" name="Shape 103"/>
+          <p:cNvPr id="156" name="Shape 156"/>
           <p:cNvSpPr txBox="1"/>
           <p:nvPr>
             <p:ph type="title"/>
@@ -5959,7 +7780,7 @@
       </p:sp>
       <p:pic>
         <p:nvPicPr>
-          <p:cNvPr id="104" name="Shape 104"/>
+          <p:cNvPr id="157" name="Shape 157"/>
           <p:cNvPicPr preferRelativeResize="0"/>
           <p:nvPr/>
         </p:nvPicPr>
@@ -5997,6 +7818,285 @@
 </file>
 
 <file path=ppt/theme/theme.xml><?xml version="1.0" encoding="utf-8"?>
+<a:theme xmlns:a="http://schemas.openxmlformats.org/drawingml/2006/main" xmlns:r="http://schemas.openxmlformats.org/officeDocument/2006/relationships" name="simple-light-2">
+  <a:themeElements>
+    <a:clrScheme name="Simple Light">
+      <a:dk1>
+        <a:srgbClr val="000000"/>
+      </a:dk1>
+      <a:lt1>
+        <a:srgbClr val="FFFFFF"/>
+      </a:lt1>
+      <a:dk2>
+        <a:srgbClr val="595959"/>
+      </a:dk2>
+      <a:lt2>
+        <a:srgbClr val="EEEEEE"/>
+      </a:lt2>
+      <a:accent1>
+        <a:srgbClr val="FFAB40"/>
+      </a:accent1>
+      <a:accent2>
+        <a:srgbClr val="212121"/>
+      </a:accent2>
+      <a:accent3>
+        <a:srgbClr val="78909C"/>
+      </a:accent3>
+      <a:accent4>
+        <a:srgbClr val="FFAB40"/>
+      </a:accent4>
+      <a:accent5>
+        <a:srgbClr val="0097A7"/>
+      </a:accent5>
+      <a:accent6>
+        <a:srgbClr val="EEFF41"/>
+      </a:accent6>
+      <a:hlink>
+        <a:srgbClr val="0097A7"/>
+      </a:hlink>
+      <a:folHlink>
+        <a:srgbClr val="0097A7"/>
+      </a:folHlink>
+    </a:clrScheme>
+    <a:fontScheme name="Office">
+      <a:majorFont>
+        <a:latin typeface="Arial"/>
+        <a:ea typeface=""/>
+        <a:cs typeface=""/>
+        <a:font script="Jpan" typeface="ＭＳ Ｐゴシック"/>
+        <a:font script="Hang" typeface="맑은 고딕"/>
+        <a:font script="Hans" typeface="宋体"/>
+        <a:font script="Hant" typeface="新細明體"/>
+        <a:font script="Arab" typeface="Times New Roman"/>
+        <a:font script="Hebr" typeface="Times New Roman"/>
+        <a:font script="Thai" typeface="Angsana New"/>
+        <a:font script="Ethi" typeface="Nyala"/>
+        <a:font script="Beng" typeface="Vrinda"/>
+        <a:font script="Gujr" typeface="Shruti"/>
+        <a:font script="Khmr" typeface="MoolBoran"/>
+        <a:font script="Knda" typeface="Tunga"/>
+        <a:font script="Guru" typeface="Raavi"/>
+        <a:font script="Cans" typeface="Euphemia"/>
+        <a:font script="Cher" typeface="Plantagenet Cherokee"/>
+        <a:font script="Yiii" typeface="Microsoft Yi Baiti"/>
+        <a:font script="Tibt" typeface="Microsoft Himalaya"/>
+        <a:font script="Thaa" typeface="MV Boli"/>
+        <a:font script="Deva" typeface="Mangal"/>
+        <a:font script="Telu" typeface="Gautami"/>
+        <a:font script="Taml" typeface="Latha"/>
+        <a:font script="Syrc" typeface="Estrangelo Edessa"/>
+        <a:font script="Orya" typeface="Kalinga"/>
+        <a:font script="Mlym" typeface="Kartika"/>
+        <a:font script="Laoo" typeface="DokChampa"/>
+        <a:font script="Sinh" typeface="Iskoola Pota"/>
+        <a:font script="Mong" typeface="Mongolian Baiti"/>
+        <a:font script="Viet" typeface="Times New Roman"/>
+        <a:font script="Uigh" typeface="Microsoft Uighur"/>
+        <a:font script="Geor" typeface="Sylfaen"/>
+      </a:majorFont>
+      <a:minorFont>
+        <a:latin typeface="Arial"/>
+        <a:ea typeface=""/>
+        <a:cs typeface=""/>
+        <a:font script="Jpan" typeface="ＭＳ Ｐゴシック"/>
+        <a:font script="Hang" typeface="맑은 고딕"/>
+        <a:font script="Hans" typeface="宋体"/>
+        <a:font script="Hant" typeface="新細明體"/>
+        <a:font script="Arab" typeface="Arial"/>
+        <a:font script="Hebr" typeface="Arial"/>
+        <a:font script="Thai" typeface="Cordia New"/>
+        <a:font script="Ethi" typeface="Nyala"/>
+        <a:font script="Beng" typeface="Vrinda"/>
+        <a:font script="Gujr" typeface="Shruti"/>
+        <a:font script="Khmr" typeface="DaunPenh"/>
+        <a:font script="Knda" typeface="Tunga"/>
+        <a:font script="Guru" typeface="Raavi"/>
+        <a:font script="Cans" typeface="Euphemia"/>
+        <a:font script="Cher" typeface="Plantagenet Cherokee"/>
+        <a:font script="Yiii" typeface="Microsoft Yi Baiti"/>
+        <a:font script="Tibt" typeface="Microsoft Himalaya"/>
+        <a:font script="Thaa" typeface="MV Boli"/>
+        <a:font script="Deva" typeface="Mangal"/>
+        <a:font script="Telu" typeface="Gautami"/>
+        <a:font script="Taml" typeface="Latha"/>
+        <a:font script="Syrc" typeface="Estrangelo Edessa"/>
+        <a:font script="Orya" typeface="Kalinga"/>
+        <a:font script="Mlym" typeface="Kartika"/>
+        <a:font script="Laoo" typeface="DokChampa"/>
+        <a:font script="Sinh" typeface="Iskoola Pota"/>
+        <a:font script="Mong" typeface="Mongolian Baiti"/>
+        <a:font script="Viet" typeface="Arial"/>
+        <a:font script="Uigh" typeface="Microsoft Uighur"/>
+        <a:font script="Geor" typeface="Sylfaen"/>
+      </a:minorFont>
+    </a:fontScheme>
+    <a:fmtScheme name="Office">
+      <a:fillStyleLst>
+        <a:solidFill>
+          <a:schemeClr val="phClr"/>
+        </a:solidFill>
+        <a:gradFill rotWithShape="1">
+          <a:gsLst>
+            <a:gs pos="0">
+              <a:schemeClr val="phClr">
+                <a:tint val="50000"/>
+                <a:satMod val="300000"/>
+              </a:schemeClr>
+            </a:gs>
+            <a:gs pos="35000">
+              <a:schemeClr val="phClr">
+                <a:tint val="37000"/>
+                <a:satMod val="300000"/>
+              </a:schemeClr>
+            </a:gs>
+            <a:gs pos="100000">
+              <a:schemeClr val="phClr">
+                <a:tint val="15000"/>
+                <a:satMod val="350000"/>
+              </a:schemeClr>
+            </a:gs>
+          </a:gsLst>
+          <a:lin ang="16200000" scaled="1"/>
+        </a:gradFill>
+        <a:gradFill rotWithShape="1">
+          <a:gsLst>
+            <a:gs pos="0">
+              <a:schemeClr val="phClr">
+                <a:tint val="100000"/>
+                <a:shade val="100000"/>
+                <a:satMod val="130000"/>
+              </a:schemeClr>
+            </a:gs>
+            <a:gs pos="100000">
+              <a:schemeClr val="phClr">
+                <a:tint val="50000"/>
+                <a:shade val="100000"/>
+                <a:satMod val="350000"/>
+              </a:schemeClr>
+            </a:gs>
+          </a:gsLst>
+          <a:lin ang="16200000" scaled="0"/>
+        </a:gradFill>
+      </a:fillStyleLst>
+      <a:lnStyleLst>
+        <a:ln w="9525" cap="flat" cmpd="sng" algn="ctr">
+          <a:solidFill>
+            <a:schemeClr val="phClr">
+              <a:shade val="95000"/>
+              <a:satMod val="105000"/>
+            </a:schemeClr>
+          </a:solidFill>
+          <a:prstDash val="solid"/>
+        </a:ln>
+        <a:ln w="25400" cap="flat" cmpd="sng" algn="ctr">
+          <a:solidFill>
+            <a:schemeClr val="phClr"/>
+          </a:solidFill>
+          <a:prstDash val="solid"/>
+        </a:ln>
+        <a:ln w="38100" cap="flat" cmpd="sng" algn="ctr">
+          <a:solidFill>
+            <a:schemeClr val="phClr"/>
+          </a:solidFill>
+          <a:prstDash val="solid"/>
+        </a:ln>
+      </a:lnStyleLst>
+      <a:effectStyleLst>
+        <a:effectStyle>
+          <a:effectLst>
+            <a:outerShdw blurRad="40000" dist="20000" dir="5400000" rotWithShape="0">
+              <a:srgbClr val="000000">
+                <a:alpha val="38000"/>
+              </a:srgbClr>
+            </a:outerShdw>
+          </a:effectLst>
+        </a:effectStyle>
+        <a:effectStyle>
+          <a:effectLst>
+            <a:outerShdw blurRad="40000" dist="23000" dir="5400000" rotWithShape="0">
+              <a:srgbClr val="000000">
+                <a:alpha val="35000"/>
+              </a:srgbClr>
+            </a:outerShdw>
+          </a:effectLst>
+        </a:effectStyle>
+        <a:effectStyle>
+          <a:effectLst>
+            <a:outerShdw blurRad="40000" dist="23000" dir="5400000" rotWithShape="0">
+              <a:srgbClr val="000000">
+                <a:alpha val="35000"/>
+              </a:srgbClr>
+            </a:outerShdw>
+          </a:effectLst>
+          <a:scene3d>
+            <a:camera prst="orthographicFront">
+              <a:rot lat="0" lon="0" rev="0"/>
+            </a:camera>
+            <a:lightRig rig="threePt" dir="t">
+              <a:rot lat="0" lon="0" rev="1200000"/>
+            </a:lightRig>
+          </a:scene3d>
+          <a:sp3d>
+            <a:bevelT w="63500" h="25400"/>
+          </a:sp3d>
+        </a:effectStyle>
+      </a:effectStyleLst>
+      <a:bgFillStyleLst>
+        <a:solidFill>
+          <a:schemeClr val="phClr"/>
+        </a:solidFill>
+        <a:gradFill rotWithShape="1">
+          <a:gsLst>
+            <a:gs pos="0">
+              <a:schemeClr val="phClr">
+                <a:tint val="40000"/>
+                <a:satMod val="350000"/>
+              </a:schemeClr>
+            </a:gs>
+            <a:gs pos="40000">
+              <a:schemeClr val="phClr">
+                <a:tint val="45000"/>
+                <a:shade val="99000"/>
+                <a:satMod val="350000"/>
+              </a:schemeClr>
+            </a:gs>
+            <a:gs pos="100000">
+              <a:schemeClr val="phClr">
+                <a:shade val="20000"/>
+                <a:satMod val="255000"/>
+              </a:schemeClr>
+            </a:gs>
+          </a:gsLst>
+          <a:path path="circle">
+            <a:fillToRect l="50000" t="-80000" r="50000" b="180000"/>
+          </a:path>
+        </a:gradFill>
+        <a:gradFill rotWithShape="1">
+          <a:gsLst>
+            <a:gs pos="0">
+              <a:schemeClr val="phClr">
+                <a:tint val="80000"/>
+                <a:satMod val="300000"/>
+              </a:schemeClr>
+            </a:gs>
+            <a:gs pos="100000">
+              <a:schemeClr val="phClr">
+                <a:shade val="30000"/>
+                <a:satMod val="200000"/>
+              </a:schemeClr>
+            </a:gs>
+          </a:gsLst>
+          <a:path path="circle">
+            <a:fillToRect l="50000" t="50000" r="50000" b="50000"/>
+          </a:path>
+        </a:gradFill>
+      </a:bgFillStyleLst>
+    </a:fmtScheme>
+  </a:themeElements>
+</a:theme>
+</file>
+
+<file path=ppt/theme/theme1.xml><?xml version="1.0" encoding="utf-8"?>
 <a:theme xmlns:a="http://schemas.openxmlformats.org/drawingml/2006/main" xmlns:r="http://schemas.openxmlformats.org/officeDocument/2006/relationships" name="Custom Theme">
   <a:themeElements>
     <a:clrScheme name="Default">
@@ -6273,283 +8373,4 @@
     </a:fmtScheme>
   </a:themeElements>
 </a:theme>
-</file>
-
-<file path=ppt/theme/theme1.xml><?xml version="1.0" encoding="utf-8"?>
-<a:theme xmlns:a="http://schemas.openxmlformats.org/drawingml/2006/main" xmlns:r="http://schemas.openxmlformats.org/officeDocument/2006/relationships" name="simple-light-2">
-  <a:themeElements>
-    <a:clrScheme name="Simple Light">
-      <a:dk1>
-        <a:srgbClr val="000000"/>
-      </a:dk1>
-      <a:lt1>
-        <a:srgbClr val="FFFFFF"/>
-      </a:lt1>
-      <a:dk2>
-        <a:srgbClr val="595959"/>
-      </a:dk2>
-      <a:lt2>
-        <a:srgbClr val="EEEEEE"/>
-      </a:lt2>
-      <a:accent1>
-        <a:srgbClr val="FFAB40"/>
-      </a:accent1>
-      <a:accent2>
-        <a:srgbClr val="212121"/>
-      </a:accent2>
-      <a:accent3>
-        <a:srgbClr val="78909C"/>
-      </a:accent3>
-      <a:accent4>
-        <a:srgbClr val="FFAB40"/>
-      </a:accent4>
-      <a:accent5>
-        <a:srgbClr val="0097A7"/>
-      </a:accent5>
-      <a:accent6>
-        <a:srgbClr val="EEFF41"/>
-      </a:accent6>
-      <a:hlink>
-        <a:srgbClr val="0097A7"/>
-      </a:hlink>
-      <a:folHlink>
-        <a:srgbClr val="0097A7"/>
-      </a:folHlink>
-    </a:clrScheme>
-    <a:fontScheme name="Office">
-      <a:majorFont>
-        <a:latin typeface="Arial"/>
-        <a:ea typeface=""/>
-        <a:cs typeface=""/>
-        <a:font script="Jpan" typeface="ＭＳ Ｐゴシック"/>
-        <a:font script="Hang" typeface="맑은 고딕"/>
-        <a:font script="Hans" typeface="宋体"/>
-        <a:font script="Hant" typeface="新細明體"/>
-        <a:font script="Arab" typeface="Times New Roman"/>
-        <a:font script="Hebr" typeface="Times New Roman"/>
-        <a:font script="Thai" typeface="Angsana New"/>
-        <a:font script="Ethi" typeface="Nyala"/>
-        <a:font script="Beng" typeface="Vrinda"/>
-        <a:font script="Gujr" typeface="Shruti"/>
-        <a:font script="Khmr" typeface="MoolBoran"/>
-        <a:font script="Knda" typeface="Tunga"/>
-        <a:font script="Guru" typeface="Raavi"/>
-        <a:font script="Cans" typeface="Euphemia"/>
-        <a:font script="Cher" typeface="Plantagenet Cherokee"/>
-        <a:font script="Yiii" typeface="Microsoft Yi Baiti"/>
-        <a:font script="Tibt" typeface="Microsoft Himalaya"/>
-        <a:font script="Thaa" typeface="MV Boli"/>
-        <a:font script="Deva" typeface="Mangal"/>
-        <a:font script="Telu" typeface="Gautami"/>
-        <a:font script="Taml" typeface="Latha"/>
-        <a:font script="Syrc" typeface="Estrangelo Edessa"/>
-        <a:font script="Orya" typeface="Kalinga"/>
-        <a:font script="Mlym" typeface="Kartika"/>
-        <a:font script="Laoo" typeface="DokChampa"/>
-        <a:font script="Sinh" typeface="Iskoola Pota"/>
-        <a:font script="Mong" typeface="Mongolian Baiti"/>
-        <a:font script="Viet" typeface="Times New Roman"/>
-        <a:font script="Uigh" typeface="Microsoft Uighur"/>
-        <a:font script="Geor" typeface="Sylfaen"/>
-      </a:majorFont>
-      <a:minorFont>
-        <a:latin typeface="Arial"/>
-        <a:ea typeface=""/>
-        <a:cs typeface=""/>
-        <a:font script="Jpan" typeface="ＭＳ Ｐゴシック"/>
-        <a:font script="Hang" typeface="맑은 고딕"/>
-        <a:font script="Hans" typeface="宋体"/>
-        <a:font script="Hant" typeface="新細明體"/>
-        <a:font script="Arab" typeface="Arial"/>
-        <a:font script="Hebr" typeface="Arial"/>
-        <a:font script="Thai" typeface="Cordia New"/>
-        <a:font script="Ethi" typeface="Nyala"/>
-        <a:font script="Beng" typeface="Vrinda"/>
-        <a:font script="Gujr" typeface="Shruti"/>
-        <a:font script="Khmr" typeface="DaunPenh"/>
-        <a:font script="Knda" typeface="Tunga"/>
-        <a:font script="Guru" typeface="Raavi"/>
-        <a:font script="Cans" typeface="Euphemia"/>
-        <a:font script="Cher" typeface="Plantagenet Cherokee"/>
-        <a:font script="Yiii" typeface="Microsoft Yi Baiti"/>
-        <a:font script="Tibt" typeface="Microsoft Himalaya"/>
-        <a:font script="Thaa" typeface="MV Boli"/>
-        <a:font script="Deva" typeface="Mangal"/>
-        <a:font script="Telu" typeface="Gautami"/>
-        <a:font script="Taml" typeface="Latha"/>
-        <a:font script="Syrc" typeface="Estrangelo Edessa"/>
-        <a:font script="Orya" typeface="Kalinga"/>
-        <a:font script="Mlym" typeface="Kartika"/>
-        <a:font script="Laoo" typeface="DokChampa"/>
-        <a:font script="Sinh" typeface="Iskoola Pota"/>
-        <a:font script="Mong" typeface="Mongolian Baiti"/>
-        <a:font script="Viet" typeface="Arial"/>
-        <a:font script="Uigh" typeface="Microsoft Uighur"/>
-        <a:font script="Geor" typeface="Sylfaen"/>
-      </a:minorFont>
-    </a:fontScheme>
-    <a:fmtScheme name="Office">
-      <a:fillStyleLst>
-        <a:solidFill>
-          <a:schemeClr val="phClr"/>
-        </a:solidFill>
-        <a:gradFill rotWithShape="1">
-          <a:gsLst>
-            <a:gs pos="0">
-              <a:schemeClr val="phClr">
-                <a:tint val="50000"/>
-                <a:satMod val="300000"/>
-              </a:schemeClr>
-            </a:gs>
-            <a:gs pos="35000">
-              <a:schemeClr val="phClr">
-                <a:tint val="37000"/>
-                <a:satMod val="300000"/>
-              </a:schemeClr>
-            </a:gs>
-            <a:gs pos="100000">
-              <a:schemeClr val="phClr">
-                <a:tint val="15000"/>
-                <a:satMod val="350000"/>
-              </a:schemeClr>
-            </a:gs>
-          </a:gsLst>
-          <a:lin ang="16200000" scaled="1"/>
-        </a:gradFill>
-        <a:gradFill rotWithShape="1">
-          <a:gsLst>
-            <a:gs pos="0">
-              <a:schemeClr val="phClr">
-                <a:tint val="100000"/>
-                <a:shade val="100000"/>
-                <a:satMod val="130000"/>
-              </a:schemeClr>
-            </a:gs>
-            <a:gs pos="100000">
-              <a:schemeClr val="phClr">
-                <a:tint val="50000"/>
-                <a:shade val="100000"/>
-                <a:satMod val="350000"/>
-              </a:schemeClr>
-            </a:gs>
-          </a:gsLst>
-          <a:lin ang="16200000" scaled="0"/>
-        </a:gradFill>
-      </a:fillStyleLst>
-      <a:lnStyleLst>
-        <a:ln w="9525" cap="flat" cmpd="sng" algn="ctr">
-          <a:solidFill>
-            <a:schemeClr val="phClr">
-              <a:shade val="95000"/>
-              <a:satMod val="105000"/>
-            </a:schemeClr>
-          </a:solidFill>
-          <a:prstDash val="solid"/>
-        </a:ln>
-        <a:ln w="25400" cap="flat" cmpd="sng" algn="ctr">
-          <a:solidFill>
-            <a:schemeClr val="phClr"/>
-          </a:solidFill>
-          <a:prstDash val="solid"/>
-        </a:ln>
-        <a:ln w="38100" cap="flat" cmpd="sng" algn="ctr">
-          <a:solidFill>
-            <a:schemeClr val="phClr"/>
-          </a:solidFill>
-          <a:prstDash val="solid"/>
-        </a:ln>
-      </a:lnStyleLst>
-      <a:effectStyleLst>
-        <a:effectStyle>
-          <a:effectLst>
-            <a:outerShdw blurRad="40000" dist="20000" dir="5400000" rotWithShape="0">
-              <a:srgbClr val="000000">
-                <a:alpha val="38000"/>
-              </a:srgbClr>
-            </a:outerShdw>
-          </a:effectLst>
-        </a:effectStyle>
-        <a:effectStyle>
-          <a:effectLst>
-            <a:outerShdw blurRad="40000" dist="23000" dir="5400000" rotWithShape="0">
-              <a:srgbClr val="000000">
-                <a:alpha val="35000"/>
-              </a:srgbClr>
-            </a:outerShdw>
-          </a:effectLst>
-        </a:effectStyle>
-        <a:effectStyle>
-          <a:effectLst>
-            <a:outerShdw blurRad="40000" dist="23000" dir="5400000" rotWithShape="0">
-              <a:srgbClr val="000000">
-                <a:alpha val="35000"/>
-              </a:srgbClr>
-            </a:outerShdw>
-          </a:effectLst>
-          <a:scene3d>
-            <a:camera prst="orthographicFront">
-              <a:rot lat="0" lon="0" rev="0"/>
-            </a:camera>
-            <a:lightRig rig="threePt" dir="t">
-              <a:rot lat="0" lon="0" rev="1200000"/>
-            </a:lightRig>
-          </a:scene3d>
-          <a:sp3d>
-            <a:bevelT w="63500" h="25400"/>
-          </a:sp3d>
-        </a:effectStyle>
-      </a:effectStyleLst>
-      <a:bgFillStyleLst>
-        <a:solidFill>
-          <a:schemeClr val="phClr"/>
-        </a:solidFill>
-        <a:gradFill rotWithShape="1">
-          <a:gsLst>
-            <a:gs pos="0">
-              <a:schemeClr val="phClr">
-                <a:tint val="40000"/>
-                <a:satMod val="350000"/>
-              </a:schemeClr>
-            </a:gs>
-            <a:gs pos="40000">
-              <a:schemeClr val="phClr">
-                <a:tint val="45000"/>
-                <a:shade val="99000"/>
-                <a:satMod val="350000"/>
-              </a:schemeClr>
-            </a:gs>
-            <a:gs pos="100000">
-              <a:schemeClr val="phClr">
-                <a:shade val="20000"/>
-                <a:satMod val="255000"/>
-              </a:schemeClr>
-            </a:gs>
-          </a:gsLst>
-          <a:path path="circle">
-            <a:fillToRect l="50000" t="-80000" r="50000" b="180000"/>
-          </a:path>
-        </a:gradFill>
-        <a:gradFill rotWithShape="1">
-          <a:gsLst>
-            <a:gs pos="0">
-              <a:schemeClr val="phClr">
-                <a:tint val="80000"/>
-                <a:satMod val="300000"/>
-              </a:schemeClr>
-            </a:gs>
-            <a:gs pos="100000">
-              <a:schemeClr val="phClr">
-                <a:shade val="30000"/>
-                <a:satMod val="200000"/>
-              </a:schemeClr>
-            </a:gs>
-          </a:gsLst>
-          <a:path path="circle">
-            <a:fillToRect l="50000" t="50000" r="50000" b="50000"/>
-          </a:path>
-        </a:gradFill>
-      </a:bgFillStyleLst>
-    </a:fmtScheme>
-  </a:themeElements>
-</a:theme>
 </file>
--- a/Presentations/P3.2 - Conclusio.pptx
+++ b/Presentations/P3.2 - Conclusio.pptx
@@ -5443,7 +5443,7 @@
             </a:pPr>
             <a:r>
               <a:rPr lang="en" sz="2600"/>
-              <a:t>97 Troviters</a:t>
+              <a:t>103 Troviters</a:t>
             </a:r>
           </a:p>
         </p:txBody>
@@ -6647,8 +6647,33 @@
               <a:buNone/>
             </a:pPr>
             <a:r>
-              <a:rPr lang="en" sz="2400"/>
-              <a:t>Big Data Engineer </a:t>
+              <a:rPr lang="en" sz="2400">
+                <a:solidFill>
+                  <a:schemeClr val="dk1"/>
+                </a:solidFill>
+              </a:rPr>
+              <a:t>Junior PHP - Crawling specialist </a:t>
+            </a:r>
+          </a:p>
+          <a:p>
+            <a:pPr lvl="0" rtl="0">
+              <a:spcBef>
+                <a:spcPts val="0"/>
+              </a:spcBef>
+              <a:buClr>
+                <a:schemeClr val="dk1"/>
+              </a:buClr>
+              <a:buSzPct val="45833"/>
+              <a:buFont typeface="Arial"/>
+              <a:buNone/>
+            </a:pPr>
+            <a:r>
+              <a:rPr lang="en" sz="2400">
+                <a:solidFill>
+                  <a:schemeClr val="dk1"/>
+                </a:solidFill>
+              </a:rPr>
+              <a:t>Junior PHP Developer </a:t>
             </a:r>
           </a:p>
           <a:p>
@@ -6681,25 +6706,12 @@
               <a:buNone/>
             </a:pPr>
             <a:r>
-              <a:rPr lang="en" sz="2400"/>
-              <a:t>Junior PHP - Crawling specialist </a:t>
-            </a:r>
-          </a:p>
-          <a:p>
-            <a:pPr lvl="0" rtl="0">
-              <a:spcBef>
-                <a:spcPts val="0"/>
-              </a:spcBef>
-              <a:buClr>
-                <a:schemeClr val="dk1"/>
-              </a:buClr>
-              <a:buSzPct val="45833"/>
-              <a:buFont typeface="Arial"/>
-              <a:buNone/>
-            </a:pPr>
-            <a:r>
-              <a:rPr lang="en" sz="2400"/>
-              <a:t>Junior PHP Developer </a:t>
+              <a:rPr lang="en" sz="2400">
+                <a:solidFill>
+                  <a:schemeClr val="dk1"/>
+                </a:solidFill>
+              </a:rPr>
+              <a:t>Big Data Engineer</a:t>
             </a:r>
           </a:p>
           <a:p>
@@ -6758,8 +6770,8 @@
         </p:nvSpPr>
         <p:spPr>
           <a:xfrm>
-            <a:off x="2040850" y="5865900"/>
-            <a:ext cx="5062199" cy="524699"/>
+            <a:off x="399950" y="5865900"/>
+            <a:ext cx="8269500" cy="524699"/>
           </a:xfrm>
           <a:prstGeom prst="rect">
             <a:avLst/>
@@ -6793,6 +6805,28 @@
                 <a:hlinkClick r:id="rId3"/>
               </a:rPr>
               <a:t>http://careers.trovit.com/</a:t>
+            </a:r>
+            <a:r>
+              <a:rPr lang="en" sz="2400">
+                <a:latin typeface="Open Sans"/>
+                <a:ea typeface="Open Sans"/>
+                <a:cs typeface="Open Sans"/>
+                <a:sym typeface="Open Sans"/>
+              </a:rPr>
+              <a:t>  - </a:t>
+            </a:r>
+            <a:r>
+              <a:rPr lang="en" sz="2400" u="sng">
+                <a:solidFill>
+                  <a:schemeClr val="hlink"/>
+                </a:solidFill>
+                <a:latin typeface="Open Sans"/>
+                <a:ea typeface="Open Sans"/>
+                <a:cs typeface="Open Sans"/>
+                <a:sym typeface="Open Sans"/>
+                <a:hlinkClick r:id="rId4"/>
+              </a:rPr>
+              <a:t>jobs@trovit.com</a:t>
             </a:r>
             <a:r>
               <a:rPr lang="en" sz="2400">
@@ -7818,6 +7852,285 @@
 </file>
 
 <file path=ppt/theme/theme.xml><?xml version="1.0" encoding="utf-8"?>
+<a:theme xmlns:a="http://schemas.openxmlformats.org/drawingml/2006/main" xmlns:r="http://schemas.openxmlformats.org/officeDocument/2006/relationships" name="Custom Theme">
+  <a:themeElements>
+    <a:clrScheme name="Default">
+      <a:dk1>
+        <a:srgbClr val="000000"/>
+      </a:dk1>
+      <a:lt1>
+        <a:srgbClr val="FFFFFF"/>
+      </a:lt1>
+      <a:dk2>
+        <a:srgbClr val="158158"/>
+      </a:dk2>
+      <a:lt2>
+        <a:srgbClr val="F3F3F3"/>
+      </a:lt2>
+      <a:accent1>
+        <a:srgbClr val="058DC7"/>
+      </a:accent1>
+      <a:accent2>
+        <a:srgbClr val="50B432"/>
+      </a:accent2>
+      <a:accent3>
+        <a:srgbClr val="ED561B"/>
+      </a:accent3>
+      <a:accent4>
+        <a:srgbClr val="EDEF00"/>
+      </a:accent4>
+      <a:accent5>
+        <a:srgbClr val="24CBE5"/>
+      </a:accent5>
+      <a:accent6>
+        <a:srgbClr val="64E572"/>
+      </a:accent6>
+      <a:hlink>
+        <a:srgbClr val="2200CC"/>
+      </a:hlink>
+      <a:folHlink>
+        <a:srgbClr val="551A8B"/>
+      </a:folHlink>
+    </a:clrScheme>
+    <a:fontScheme name="Office">
+      <a:majorFont>
+        <a:latin typeface="Arial"/>
+        <a:ea typeface=""/>
+        <a:cs typeface=""/>
+        <a:font script="Jpan" typeface="ＭＳ Ｐゴシック"/>
+        <a:font script="Hang" typeface="맑은 고딕"/>
+        <a:font script="Hans" typeface="宋体"/>
+        <a:font script="Hant" typeface="新細明體"/>
+        <a:font script="Arab" typeface="Times New Roman"/>
+        <a:font script="Hebr" typeface="Times New Roman"/>
+        <a:font script="Thai" typeface="Angsana New"/>
+        <a:font script="Ethi" typeface="Nyala"/>
+        <a:font script="Beng" typeface="Vrinda"/>
+        <a:font script="Gujr" typeface="Shruti"/>
+        <a:font script="Khmr" typeface="MoolBoran"/>
+        <a:font script="Knda" typeface="Tunga"/>
+        <a:font script="Guru" typeface="Raavi"/>
+        <a:font script="Cans" typeface="Euphemia"/>
+        <a:font script="Cher" typeface="Plantagenet Cherokee"/>
+        <a:font script="Yiii" typeface="Microsoft Yi Baiti"/>
+        <a:font script="Tibt" typeface="Microsoft Himalaya"/>
+        <a:font script="Thaa" typeface="MV Boli"/>
+        <a:font script="Deva" typeface="Mangal"/>
+        <a:font script="Telu" typeface="Gautami"/>
+        <a:font script="Taml" typeface="Latha"/>
+        <a:font script="Syrc" typeface="Estrangelo Edessa"/>
+        <a:font script="Orya" typeface="Kalinga"/>
+        <a:font script="Mlym" typeface="Kartika"/>
+        <a:font script="Laoo" typeface="DokChampa"/>
+        <a:font script="Sinh" typeface="Iskoola Pota"/>
+        <a:font script="Mong" typeface="Mongolian Baiti"/>
+        <a:font script="Viet" typeface="Times New Roman"/>
+        <a:font script="Uigh" typeface="Microsoft Uighur"/>
+        <a:font script="Geor" typeface="Sylfaen"/>
+      </a:majorFont>
+      <a:minorFont>
+        <a:latin typeface="Arial"/>
+        <a:ea typeface=""/>
+        <a:cs typeface=""/>
+        <a:font script="Jpan" typeface="ＭＳ Ｐゴシック"/>
+        <a:font script="Hang" typeface="맑은 고딕"/>
+        <a:font script="Hans" typeface="宋体"/>
+        <a:font script="Hant" typeface="新細明體"/>
+        <a:font script="Arab" typeface="Arial"/>
+        <a:font script="Hebr" typeface="Arial"/>
+        <a:font script="Thai" typeface="Cordia New"/>
+        <a:font script="Ethi" typeface="Nyala"/>
+        <a:font script="Beng" typeface="Vrinda"/>
+        <a:font script="Gujr" typeface="Shruti"/>
+        <a:font script="Khmr" typeface="DaunPenh"/>
+        <a:font script="Knda" typeface="Tunga"/>
+        <a:font script="Guru" typeface="Raavi"/>
+        <a:font script="Cans" typeface="Euphemia"/>
+        <a:font script="Cher" typeface="Plantagenet Cherokee"/>
+        <a:font script="Yiii" typeface="Microsoft Yi Baiti"/>
+        <a:font script="Tibt" typeface="Microsoft Himalaya"/>
+        <a:font script="Thaa" typeface="MV Boli"/>
+        <a:font script="Deva" typeface="Mangal"/>
+        <a:font script="Telu" typeface="Gautami"/>
+        <a:font script="Taml" typeface="Latha"/>
+        <a:font script="Syrc" typeface="Estrangelo Edessa"/>
+        <a:font script="Orya" typeface="Kalinga"/>
+        <a:font script="Mlym" typeface="Kartika"/>
+        <a:font script="Laoo" typeface="DokChampa"/>
+        <a:font script="Sinh" typeface="Iskoola Pota"/>
+        <a:font script="Mong" typeface="Mongolian Baiti"/>
+        <a:font script="Viet" typeface="Arial"/>
+        <a:font script="Uigh" typeface="Microsoft Uighur"/>
+        <a:font script="Geor" typeface="Sylfaen"/>
+      </a:minorFont>
+    </a:fontScheme>
+    <a:fmtScheme name="Office">
+      <a:fillStyleLst>
+        <a:solidFill>
+          <a:schemeClr val="phClr"/>
+        </a:solidFill>
+        <a:gradFill rotWithShape="1">
+          <a:gsLst>
+            <a:gs pos="0">
+              <a:schemeClr val="phClr">
+                <a:tint val="50000"/>
+                <a:satMod val="300000"/>
+              </a:schemeClr>
+            </a:gs>
+            <a:gs pos="35000">
+              <a:schemeClr val="phClr">
+                <a:tint val="37000"/>
+                <a:satMod val="300000"/>
+              </a:schemeClr>
+            </a:gs>
+            <a:gs pos="100000">
+              <a:schemeClr val="phClr">
+                <a:tint val="15000"/>
+                <a:satMod val="350000"/>
+              </a:schemeClr>
+            </a:gs>
+          </a:gsLst>
+          <a:lin ang="16200000" scaled="1"/>
+        </a:gradFill>
+        <a:gradFill rotWithShape="1">
+          <a:gsLst>
+            <a:gs pos="0">
+              <a:schemeClr val="phClr">
+                <a:tint val="100000"/>
+                <a:shade val="100000"/>
+                <a:satMod val="130000"/>
+              </a:schemeClr>
+            </a:gs>
+            <a:gs pos="100000">
+              <a:schemeClr val="phClr">
+                <a:tint val="50000"/>
+                <a:shade val="100000"/>
+                <a:satMod val="350000"/>
+              </a:schemeClr>
+            </a:gs>
+          </a:gsLst>
+          <a:lin ang="16200000" scaled="0"/>
+        </a:gradFill>
+      </a:fillStyleLst>
+      <a:lnStyleLst>
+        <a:ln w="9525" cap="flat" cmpd="sng" algn="ctr">
+          <a:solidFill>
+            <a:schemeClr val="phClr">
+              <a:shade val="95000"/>
+              <a:satMod val="105000"/>
+            </a:schemeClr>
+          </a:solidFill>
+          <a:prstDash val="solid"/>
+        </a:ln>
+        <a:ln w="25400" cap="flat" cmpd="sng" algn="ctr">
+          <a:solidFill>
+            <a:schemeClr val="phClr"/>
+          </a:solidFill>
+          <a:prstDash val="solid"/>
+        </a:ln>
+        <a:ln w="38100" cap="flat" cmpd="sng" algn="ctr">
+          <a:solidFill>
+            <a:schemeClr val="phClr"/>
+          </a:solidFill>
+          <a:prstDash val="solid"/>
+        </a:ln>
+      </a:lnStyleLst>
+      <a:effectStyleLst>
+        <a:effectStyle>
+          <a:effectLst>
+            <a:outerShdw blurRad="40000" dist="20000" dir="5400000" rotWithShape="0">
+              <a:srgbClr val="000000">
+                <a:alpha val="38000"/>
+              </a:srgbClr>
+            </a:outerShdw>
+          </a:effectLst>
+        </a:effectStyle>
+        <a:effectStyle>
+          <a:effectLst>
+            <a:outerShdw blurRad="40000" dist="23000" dir="5400000" rotWithShape="0">
+              <a:srgbClr val="000000">
+                <a:alpha val="35000"/>
+              </a:srgbClr>
+            </a:outerShdw>
+          </a:effectLst>
+        </a:effectStyle>
+        <a:effectStyle>
+          <a:effectLst>
+            <a:outerShdw blurRad="40000" dist="23000" dir="5400000" rotWithShape="0">
+              <a:srgbClr val="000000">
+                <a:alpha val="35000"/>
+              </a:srgbClr>
+            </a:outerShdw>
+          </a:effectLst>
+          <a:scene3d>
+            <a:camera prst="orthographicFront">
+              <a:rot lat="0" lon="0" rev="0"/>
+            </a:camera>
+            <a:lightRig rig="threePt" dir="t">
+              <a:rot lat="0" lon="0" rev="1200000"/>
+            </a:lightRig>
+          </a:scene3d>
+          <a:sp3d>
+            <a:bevelT w="63500" h="25400"/>
+          </a:sp3d>
+        </a:effectStyle>
+      </a:effectStyleLst>
+      <a:bgFillStyleLst>
+        <a:solidFill>
+          <a:schemeClr val="phClr"/>
+        </a:solidFill>
+        <a:gradFill rotWithShape="1">
+          <a:gsLst>
+            <a:gs pos="0">
+              <a:schemeClr val="phClr">
+                <a:tint val="40000"/>
+                <a:satMod val="350000"/>
+              </a:schemeClr>
+            </a:gs>
+            <a:gs pos="40000">
+              <a:schemeClr val="phClr">
+                <a:tint val="45000"/>
+                <a:shade val="99000"/>
+                <a:satMod val="350000"/>
+              </a:schemeClr>
+            </a:gs>
+            <a:gs pos="100000">
+              <a:schemeClr val="phClr">
+                <a:shade val="20000"/>
+                <a:satMod val="255000"/>
+              </a:schemeClr>
+            </a:gs>
+          </a:gsLst>
+          <a:path path="circle">
+            <a:fillToRect l="50000" t="-80000" r="50000" b="180000"/>
+          </a:path>
+        </a:gradFill>
+        <a:gradFill rotWithShape="1">
+          <a:gsLst>
+            <a:gs pos="0">
+              <a:schemeClr val="phClr">
+                <a:tint val="80000"/>
+                <a:satMod val="300000"/>
+              </a:schemeClr>
+            </a:gs>
+            <a:gs pos="100000">
+              <a:schemeClr val="phClr">
+                <a:shade val="30000"/>
+                <a:satMod val="200000"/>
+              </a:schemeClr>
+            </a:gs>
+          </a:gsLst>
+          <a:path path="circle">
+            <a:fillToRect l="50000" t="50000" r="50000" b="50000"/>
+          </a:path>
+        </a:gradFill>
+      </a:bgFillStyleLst>
+    </a:fmtScheme>
+  </a:themeElements>
+</a:theme>
+</file>
+
+<file path=ppt/theme/theme1.xml><?xml version="1.0" encoding="utf-8"?>
 <a:theme xmlns:a="http://schemas.openxmlformats.org/drawingml/2006/main" xmlns:r="http://schemas.openxmlformats.org/officeDocument/2006/relationships" name="simple-light-2">
   <a:themeElements>
     <a:clrScheme name="Simple Light">
@@ -8094,283 +8407,4 @@
     </a:fmtScheme>
   </a:themeElements>
 </a:theme>
-</file>
-
-<file path=ppt/theme/theme1.xml><?xml version="1.0" encoding="utf-8"?>
-<a:theme xmlns:a="http://schemas.openxmlformats.org/drawingml/2006/main" xmlns:r="http://schemas.openxmlformats.org/officeDocument/2006/relationships" name="Custom Theme">
-  <a:themeElements>
-    <a:clrScheme name="Default">
-      <a:dk1>
-        <a:srgbClr val="000000"/>
-      </a:dk1>
-      <a:lt1>
-        <a:srgbClr val="FFFFFF"/>
-      </a:lt1>
-      <a:dk2>
-        <a:srgbClr val="158158"/>
-      </a:dk2>
-      <a:lt2>
-        <a:srgbClr val="F3F3F3"/>
-      </a:lt2>
-      <a:accent1>
-        <a:srgbClr val="058DC7"/>
-      </a:accent1>
-      <a:accent2>
-        <a:srgbClr val="50B432"/>
-      </a:accent2>
-      <a:accent3>
-        <a:srgbClr val="ED561B"/>
-      </a:accent3>
-      <a:accent4>
-        <a:srgbClr val="EDEF00"/>
-      </a:accent4>
-      <a:accent5>
-        <a:srgbClr val="24CBE5"/>
-      </a:accent5>
-      <a:accent6>
-        <a:srgbClr val="64E572"/>
-      </a:accent6>
-      <a:hlink>
-        <a:srgbClr val="2200CC"/>
-      </a:hlink>
-      <a:folHlink>
-        <a:srgbClr val="551A8B"/>
-      </a:folHlink>
-    </a:clrScheme>
-    <a:fontScheme name="Office">
-      <a:majorFont>
-        <a:latin typeface="Arial"/>
-        <a:ea typeface=""/>
-        <a:cs typeface=""/>
-        <a:font script="Jpan" typeface="ＭＳ Ｐゴシック"/>
-        <a:font script="Hang" typeface="맑은 고딕"/>
-        <a:font script="Hans" typeface="宋体"/>
-        <a:font script="Hant" typeface="新細明體"/>
-        <a:font script="Arab" typeface="Times New Roman"/>
-        <a:font script="Hebr" typeface="Times New Roman"/>
-        <a:font script="Thai" typeface="Angsana New"/>
-        <a:font script="Ethi" typeface="Nyala"/>
-        <a:font script="Beng" typeface="Vrinda"/>
-        <a:font script="Gujr" typeface="Shruti"/>
-        <a:font script="Khmr" typeface="MoolBoran"/>
-        <a:font script="Knda" typeface="Tunga"/>
-        <a:font script="Guru" typeface="Raavi"/>
-        <a:font script="Cans" typeface="Euphemia"/>
-        <a:font script="Cher" typeface="Plantagenet Cherokee"/>
-        <a:font script="Yiii" typeface="Microsoft Yi Baiti"/>
-        <a:font script="Tibt" typeface="Microsoft Himalaya"/>
-        <a:font script="Thaa" typeface="MV Boli"/>
-        <a:font script="Deva" typeface="Mangal"/>
-        <a:font script="Telu" typeface="Gautami"/>
-        <a:font script="Taml" typeface="Latha"/>
-        <a:font script="Syrc" typeface="Estrangelo Edessa"/>
-        <a:font script="Orya" typeface="Kalinga"/>
-        <a:font script="Mlym" typeface="Kartika"/>
-        <a:font script="Laoo" typeface="DokChampa"/>
-        <a:font script="Sinh" typeface="Iskoola Pota"/>
-        <a:font script="Mong" typeface="Mongolian Baiti"/>
-        <a:font script="Viet" typeface="Times New Roman"/>
-        <a:font script="Uigh" typeface="Microsoft Uighur"/>
-        <a:font script="Geor" typeface="Sylfaen"/>
-      </a:majorFont>
-      <a:minorFont>
-        <a:latin typeface="Arial"/>
-        <a:ea typeface=""/>
-        <a:cs typeface=""/>
-        <a:font script="Jpan" typeface="ＭＳ Ｐゴシック"/>
-        <a:font script="Hang" typeface="맑은 고딕"/>
-        <a:font script="Hans" typeface="宋体"/>
-        <a:font script="Hant" typeface="新細明體"/>
-        <a:font script="Arab" typeface="Arial"/>
-        <a:font script="Hebr" typeface="Arial"/>
-        <a:font script="Thai" typeface="Cordia New"/>
-        <a:font script="Ethi" typeface="Nyala"/>
-        <a:font script="Beng" typeface="Vrinda"/>
-        <a:font script="Gujr" typeface="Shruti"/>
-        <a:font script="Khmr" typeface="DaunPenh"/>
-        <a:font script="Knda" typeface="Tunga"/>
-        <a:font script="Guru" typeface="Raavi"/>
-        <a:font script="Cans" typeface="Euphemia"/>
-        <a:font script="Cher" typeface="Plantagenet Cherokee"/>
-        <a:font script="Yiii" typeface="Microsoft Yi Baiti"/>
-        <a:font script="Tibt" typeface="Microsoft Himalaya"/>
-        <a:font script="Thaa" typeface="MV Boli"/>
-        <a:font script="Deva" typeface="Mangal"/>
-        <a:font script="Telu" typeface="Gautami"/>
-        <a:font script="Taml" typeface="Latha"/>
-        <a:font script="Syrc" typeface="Estrangelo Edessa"/>
-        <a:font script="Orya" typeface="Kalinga"/>
-        <a:font script="Mlym" typeface="Kartika"/>
-        <a:font script="Laoo" typeface="DokChampa"/>
-        <a:font script="Sinh" typeface="Iskoola Pota"/>
-        <a:font script="Mong" typeface="Mongolian Baiti"/>
-        <a:font script="Viet" typeface="Arial"/>
-        <a:font script="Uigh" typeface="Microsoft Uighur"/>
-        <a:font script="Geor" typeface="Sylfaen"/>
-      </a:minorFont>
-    </a:fontScheme>
-    <a:fmtScheme name="Office">
-      <a:fillStyleLst>
-        <a:solidFill>
-          <a:schemeClr val="phClr"/>
-        </a:solidFill>
-        <a:gradFill rotWithShape="1">
-          <a:gsLst>
-            <a:gs pos="0">
-              <a:schemeClr val="phClr">
-                <a:tint val="50000"/>
-                <a:satMod val="300000"/>
-              </a:schemeClr>
-            </a:gs>
-            <a:gs pos="35000">
-              <a:schemeClr val="phClr">
-                <a:tint val="37000"/>
-                <a:satMod val="300000"/>
-              </a:schemeClr>
-            </a:gs>
-            <a:gs pos="100000">
-              <a:schemeClr val="phClr">
-                <a:tint val="15000"/>
-                <a:satMod val="350000"/>
-              </a:schemeClr>
-            </a:gs>
-          </a:gsLst>
-          <a:lin ang="16200000" scaled="1"/>
-        </a:gradFill>
-        <a:gradFill rotWithShape="1">
-          <a:gsLst>
-            <a:gs pos="0">
-              <a:schemeClr val="phClr">
-                <a:tint val="100000"/>
-                <a:shade val="100000"/>
-                <a:satMod val="130000"/>
-              </a:schemeClr>
-            </a:gs>
-            <a:gs pos="100000">
-              <a:schemeClr val="phClr">
-                <a:tint val="50000"/>
-                <a:shade val="100000"/>
-                <a:satMod val="350000"/>
-              </a:schemeClr>
-            </a:gs>
-          </a:gsLst>
-          <a:lin ang="16200000" scaled="0"/>
-        </a:gradFill>
-      </a:fillStyleLst>
-      <a:lnStyleLst>
-        <a:ln w="9525" cap="flat" cmpd="sng" algn="ctr">
-          <a:solidFill>
-            <a:schemeClr val="phClr">
-              <a:shade val="95000"/>
-              <a:satMod val="105000"/>
-            </a:schemeClr>
-          </a:solidFill>
-          <a:prstDash val="solid"/>
-        </a:ln>
-        <a:ln w="25400" cap="flat" cmpd="sng" algn="ctr">
-          <a:solidFill>
-            <a:schemeClr val="phClr"/>
-          </a:solidFill>
-          <a:prstDash val="solid"/>
-        </a:ln>
-        <a:ln w="38100" cap="flat" cmpd="sng" algn="ctr">
-          <a:solidFill>
-            <a:schemeClr val="phClr"/>
-          </a:solidFill>
-          <a:prstDash val="solid"/>
-        </a:ln>
-      </a:lnStyleLst>
-      <a:effectStyleLst>
-        <a:effectStyle>
-          <a:effectLst>
-            <a:outerShdw blurRad="40000" dist="20000" dir="5400000" rotWithShape="0">
-              <a:srgbClr val="000000">
-                <a:alpha val="38000"/>
-              </a:srgbClr>
-            </a:outerShdw>
-          </a:effectLst>
-        </a:effectStyle>
-        <a:effectStyle>
-          <a:effectLst>
-            <a:outerShdw blurRad="40000" dist="23000" dir="5400000" rotWithShape="0">
-              <a:srgbClr val="000000">
-                <a:alpha val="35000"/>
-              </a:srgbClr>
-            </a:outerShdw>
-          </a:effectLst>
-        </a:effectStyle>
-        <a:effectStyle>
-          <a:effectLst>
-            <a:outerShdw blurRad="40000" dist="23000" dir="5400000" rotWithShape="0">
-              <a:srgbClr val="000000">
-                <a:alpha val="35000"/>
-              </a:srgbClr>
-            </a:outerShdw>
-          </a:effectLst>
-          <a:scene3d>
-            <a:camera prst="orthographicFront">
-              <a:rot lat="0" lon="0" rev="0"/>
-            </a:camera>
-            <a:lightRig rig="threePt" dir="t">
-              <a:rot lat="0" lon="0" rev="1200000"/>
-            </a:lightRig>
-          </a:scene3d>
-          <a:sp3d>
-            <a:bevelT w="63500" h="25400"/>
-          </a:sp3d>
-        </a:effectStyle>
-      </a:effectStyleLst>
-      <a:bgFillStyleLst>
-        <a:solidFill>
-          <a:schemeClr val="phClr"/>
-        </a:solidFill>
-        <a:gradFill rotWithShape="1">
-          <a:gsLst>
-            <a:gs pos="0">
-              <a:schemeClr val="phClr">
-                <a:tint val="40000"/>
-                <a:satMod val="350000"/>
-              </a:schemeClr>
-            </a:gs>
-            <a:gs pos="40000">
-              <a:schemeClr val="phClr">
-                <a:tint val="45000"/>
-                <a:shade val="99000"/>
-                <a:satMod val="350000"/>
-              </a:schemeClr>
-            </a:gs>
-            <a:gs pos="100000">
-              <a:schemeClr val="phClr">
-                <a:shade val="20000"/>
-                <a:satMod val="255000"/>
-              </a:schemeClr>
-            </a:gs>
-          </a:gsLst>
-          <a:path path="circle">
-            <a:fillToRect l="50000" t="-80000" r="50000" b="180000"/>
-          </a:path>
-        </a:gradFill>
-        <a:gradFill rotWithShape="1">
-          <a:gsLst>
-            <a:gs pos="0">
-              <a:schemeClr val="phClr">
-                <a:tint val="80000"/>
-                <a:satMod val="300000"/>
-              </a:schemeClr>
-            </a:gs>
-            <a:gs pos="100000">
-              <a:schemeClr val="phClr">
-                <a:shade val="30000"/>
-                <a:satMod val="200000"/>
-              </a:schemeClr>
-            </a:gs>
-          </a:gsLst>
-          <a:path path="circle">
-            <a:fillToRect l="50000" t="50000" r="50000" b="50000"/>
-          </a:path>
-        </a:gradFill>
-      </a:bgFillStyleLst>
-    </a:fmtScheme>
-  </a:themeElements>
-</a:theme>
 </file>